--- a/LOGO/esteam_editable.pptx
+++ b/LOGO/esteam_editable.pptx
@@ -15,6 +15,10 @@
     <p:sldId id="278" r:id="rId9"/>
     <p:sldId id="283" r:id="rId10"/>
     <p:sldId id="284" r:id="rId11"/>
+    <p:sldId id="286" r:id="rId12"/>
+    <p:sldId id="285" r:id="rId13"/>
+    <p:sldId id="288" r:id="rId14"/>
+    <p:sldId id="287" r:id="rId15"/>
   </p:sldIdLst>
   <p:sldSz cx="12192000" cy="6858000"/>
   <p:notesSz cx="6858000" cy="9144000"/>
@@ -270,7 +274,7 @@
           <a:p>
             <a:fld id="{82D72B52-040A-4610-99EA-ED19986AB544}" type="datetimeFigureOut">
               <a:rPr lang="en-US" smtClean="0"/>
-              <a:t>12/3/2020</a:t>
+              <a:t>12/8/2020</a:t>
             </a:fld>
             <a:endParaRPr lang="en-US"/>
           </a:p>
@@ -470,7 +474,7 @@
           <a:p>
             <a:fld id="{82D72B52-040A-4610-99EA-ED19986AB544}" type="datetimeFigureOut">
               <a:rPr lang="en-US" smtClean="0"/>
-              <a:t>12/3/2020</a:t>
+              <a:t>12/8/2020</a:t>
             </a:fld>
             <a:endParaRPr lang="en-US"/>
           </a:p>
@@ -680,7 +684,7 @@
           <a:p>
             <a:fld id="{82D72B52-040A-4610-99EA-ED19986AB544}" type="datetimeFigureOut">
               <a:rPr lang="en-US" smtClean="0"/>
-              <a:t>12/3/2020</a:t>
+              <a:t>12/8/2020</a:t>
             </a:fld>
             <a:endParaRPr lang="en-US"/>
           </a:p>
@@ -880,7 +884,7 @@
           <a:p>
             <a:fld id="{82D72B52-040A-4610-99EA-ED19986AB544}" type="datetimeFigureOut">
               <a:rPr lang="en-US" smtClean="0"/>
-              <a:t>12/3/2020</a:t>
+              <a:t>12/8/2020</a:t>
             </a:fld>
             <a:endParaRPr lang="en-US"/>
           </a:p>
@@ -1156,7 +1160,7 @@
           <a:p>
             <a:fld id="{82D72B52-040A-4610-99EA-ED19986AB544}" type="datetimeFigureOut">
               <a:rPr lang="en-US" smtClean="0"/>
-              <a:t>12/3/2020</a:t>
+              <a:t>12/8/2020</a:t>
             </a:fld>
             <a:endParaRPr lang="en-US"/>
           </a:p>
@@ -1424,7 +1428,7 @@
           <a:p>
             <a:fld id="{82D72B52-040A-4610-99EA-ED19986AB544}" type="datetimeFigureOut">
               <a:rPr lang="en-US" smtClean="0"/>
-              <a:t>12/3/2020</a:t>
+              <a:t>12/8/2020</a:t>
             </a:fld>
             <a:endParaRPr lang="en-US"/>
           </a:p>
@@ -1839,7 +1843,7 @@
           <a:p>
             <a:fld id="{82D72B52-040A-4610-99EA-ED19986AB544}" type="datetimeFigureOut">
               <a:rPr lang="en-US" smtClean="0"/>
-              <a:t>12/3/2020</a:t>
+              <a:t>12/8/2020</a:t>
             </a:fld>
             <a:endParaRPr lang="en-US"/>
           </a:p>
@@ -1981,7 +1985,7 @@
           <a:p>
             <a:fld id="{82D72B52-040A-4610-99EA-ED19986AB544}" type="datetimeFigureOut">
               <a:rPr lang="en-US" smtClean="0"/>
-              <a:t>12/3/2020</a:t>
+              <a:t>12/8/2020</a:t>
             </a:fld>
             <a:endParaRPr lang="en-US"/>
           </a:p>
@@ -2094,7 +2098,7 @@
           <a:p>
             <a:fld id="{82D72B52-040A-4610-99EA-ED19986AB544}" type="datetimeFigureOut">
               <a:rPr lang="en-US" smtClean="0"/>
-              <a:t>12/3/2020</a:t>
+              <a:t>12/8/2020</a:t>
             </a:fld>
             <a:endParaRPr lang="en-US"/>
           </a:p>
@@ -2407,7 +2411,7 @@
           <a:p>
             <a:fld id="{82D72B52-040A-4610-99EA-ED19986AB544}" type="datetimeFigureOut">
               <a:rPr lang="en-US" smtClean="0"/>
-              <a:t>12/3/2020</a:t>
+              <a:t>12/8/2020</a:t>
             </a:fld>
             <a:endParaRPr lang="en-US"/>
           </a:p>
@@ -2696,7 +2700,7 @@
           <a:p>
             <a:fld id="{82D72B52-040A-4610-99EA-ED19986AB544}" type="datetimeFigureOut">
               <a:rPr lang="en-US" smtClean="0"/>
-              <a:t>12/3/2020</a:t>
+              <a:t>12/8/2020</a:t>
             </a:fld>
             <a:endParaRPr lang="en-US"/>
           </a:p>
@@ -2939,7 +2943,7 @@
           <a:p>
             <a:fld id="{82D72B52-040A-4610-99EA-ED19986AB544}" type="datetimeFigureOut">
               <a:rPr lang="en-US" smtClean="0"/>
-              <a:t>12/3/2020</a:t>
+              <a:t>12/8/2020</a:t>
             </a:fld>
             <a:endParaRPr lang="en-US"/>
           </a:p>
@@ -5763,6 +5767,2318 @@
 </p:sld>
 </file>
 
+<file path=ppt/slides/slide11.xml><?xml version="1.0" encoding="utf-8"?>
+<p:sld xmlns:a="http://schemas.openxmlformats.org/drawingml/2006/main" xmlns:r="http://schemas.openxmlformats.org/officeDocument/2006/relationships" xmlns:p="http://schemas.openxmlformats.org/presentationml/2006/main">
+  <p:cSld>
+    <p:spTree>
+      <p:nvGrpSpPr>
+        <p:cNvPr id="1" name=""/>
+        <p:cNvGrpSpPr/>
+        <p:nvPr/>
+      </p:nvGrpSpPr>
+      <p:grpSpPr>
+        <a:xfrm>
+          <a:off x="0" y="0"/>
+          <a:ext cx="0" cy="0"/>
+          <a:chOff x="0" y="0"/>
+          <a:chExt cx="0" cy="0"/>
+        </a:xfrm>
+      </p:grpSpPr>
+      <p:sp>
+        <p:nvSpPr>
+          <p:cNvPr id="19" name="אליפסה 18">
+            <a:extLst>
+              <a:ext uri="{FF2B5EF4-FFF2-40B4-BE49-F238E27FC236}">
+                <a16:creationId xmlns:a16="http://schemas.microsoft.com/office/drawing/2014/main" id="{76935675-6FFC-4A8D-AFF5-75930542430B}"/>
+              </a:ext>
+            </a:extLst>
+          </p:cNvPr>
+          <p:cNvSpPr/>
+          <p:nvPr/>
+        </p:nvSpPr>
+        <p:spPr>
+          <a:xfrm>
+            <a:off x="4488601" y="4823999"/>
+            <a:ext cx="640080" cy="640080"/>
+          </a:xfrm>
+          <a:prstGeom prst="ellipse">
+            <a:avLst/>
+          </a:prstGeom>
+          <a:solidFill>
+            <a:schemeClr val="bg1"/>
+          </a:solidFill>
+          <a:ln w="203200">
+            <a:solidFill>
+              <a:schemeClr val="tx1"/>
+            </a:solidFill>
+          </a:ln>
+        </p:spPr>
+        <p:style>
+          <a:lnRef idx="2">
+            <a:schemeClr val="accent1">
+              <a:shade val="50000"/>
+            </a:schemeClr>
+          </a:lnRef>
+          <a:fillRef idx="1">
+            <a:schemeClr val="accent1"/>
+          </a:fillRef>
+          <a:effectRef idx="0">
+            <a:schemeClr val="accent1"/>
+          </a:effectRef>
+          <a:fontRef idx="minor">
+            <a:schemeClr val="lt1"/>
+          </a:fontRef>
+        </p:style>
+        <p:txBody>
+          <a:bodyPr rtlCol="0" anchor="ctr"/>
+          <a:lstStyle/>
+          <a:p>
+            <a:pPr algn="ctr"/>
+            <a:endParaRPr lang="en-US" dirty="0"/>
+          </a:p>
+        </p:txBody>
+      </p:sp>
+      <p:cxnSp>
+        <p:nvCxnSpPr>
+          <p:cNvPr id="21" name="מחבר ישר 20">
+            <a:extLst>
+              <a:ext uri="{FF2B5EF4-FFF2-40B4-BE49-F238E27FC236}">
+                <a16:creationId xmlns:a16="http://schemas.microsoft.com/office/drawing/2014/main" id="{98BC6C67-BF34-4A5F-880A-FDAAB0474013}"/>
+              </a:ext>
+            </a:extLst>
+          </p:cNvPr>
+          <p:cNvCxnSpPr>
+            <a:cxnSpLocks/>
+          </p:cNvCxnSpPr>
+          <p:nvPr/>
+        </p:nvCxnSpPr>
+        <p:spPr>
+          <a:xfrm flipH="1">
+            <a:off x="4106953" y="1800664"/>
+            <a:ext cx="3644345" cy="0"/>
+          </a:xfrm>
+          <a:prstGeom prst="line">
+            <a:avLst/>
+          </a:prstGeom>
+          <a:solidFill>
+            <a:srgbClr val="2E8B57"/>
+          </a:solidFill>
+          <a:ln w="203200">
+            <a:solidFill>
+              <a:schemeClr val="tx1"/>
+            </a:solidFill>
+          </a:ln>
+        </p:spPr>
+        <p:style>
+          <a:lnRef idx="1">
+            <a:schemeClr val="accent1"/>
+          </a:lnRef>
+          <a:fillRef idx="0">
+            <a:schemeClr val="accent1"/>
+          </a:fillRef>
+          <a:effectRef idx="0">
+            <a:schemeClr val="accent1"/>
+          </a:effectRef>
+          <a:fontRef idx="minor">
+            <a:schemeClr val="tx1"/>
+          </a:fontRef>
+        </p:style>
+      </p:cxnSp>
+      <p:cxnSp>
+        <p:nvCxnSpPr>
+          <p:cNvPr id="22" name="מחבר ישר 21">
+            <a:extLst>
+              <a:ext uri="{FF2B5EF4-FFF2-40B4-BE49-F238E27FC236}">
+                <a16:creationId xmlns:a16="http://schemas.microsoft.com/office/drawing/2014/main" id="{B20A21BD-54DE-48D0-90A4-BBCFA7CCED98}"/>
+              </a:ext>
+            </a:extLst>
+          </p:cNvPr>
+          <p:cNvCxnSpPr>
+            <a:cxnSpLocks/>
+          </p:cNvCxnSpPr>
+          <p:nvPr/>
+        </p:nvCxnSpPr>
+        <p:spPr>
+          <a:xfrm flipH="1">
+            <a:off x="4395367" y="3810762"/>
+            <a:ext cx="2561106" cy="0"/>
+          </a:xfrm>
+          <a:prstGeom prst="line">
+            <a:avLst/>
+          </a:prstGeom>
+          <a:solidFill>
+            <a:srgbClr val="2E8B57"/>
+          </a:solidFill>
+          <a:ln w="203200">
+            <a:solidFill>
+              <a:schemeClr val="tx1"/>
+            </a:solidFill>
+          </a:ln>
+        </p:spPr>
+        <p:style>
+          <a:lnRef idx="1">
+            <a:schemeClr val="accent1"/>
+          </a:lnRef>
+          <a:fillRef idx="0">
+            <a:schemeClr val="accent1"/>
+          </a:fillRef>
+          <a:effectRef idx="0">
+            <a:schemeClr val="accent1"/>
+          </a:effectRef>
+          <a:fontRef idx="minor">
+            <a:schemeClr val="tx1"/>
+          </a:fontRef>
+        </p:style>
+      </p:cxnSp>
+      <p:cxnSp>
+        <p:nvCxnSpPr>
+          <p:cNvPr id="23" name="מחבר ישר 22">
+            <a:extLst>
+              <a:ext uri="{FF2B5EF4-FFF2-40B4-BE49-F238E27FC236}">
+                <a16:creationId xmlns:a16="http://schemas.microsoft.com/office/drawing/2014/main" id="{1EFAC3D9-73F9-437E-A771-99F336A0DD6F}"/>
+              </a:ext>
+            </a:extLst>
+          </p:cNvPr>
+          <p:cNvCxnSpPr>
+            <a:cxnSpLocks/>
+          </p:cNvCxnSpPr>
+          <p:nvPr/>
+        </p:nvCxnSpPr>
+        <p:spPr>
+          <a:xfrm flipH="1">
+            <a:off x="6866583" y="1849901"/>
+            <a:ext cx="796760" cy="2027461"/>
+          </a:xfrm>
+          <a:prstGeom prst="line">
+            <a:avLst/>
+          </a:prstGeom>
+          <a:solidFill>
+            <a:srgbClr val="2E8B57"/>
+          </a:solidFill>
+          <a:ln w="203200">
+            <a:solidFill>
+              <a:schemeClr val="tx1"/>
+            </a:solidFill>
+          </a:ln>
+        </p:spPr>
+        <p:style>
+          <a:lnRef idx="1">
+            <a:schemeClr val="accent1"/>
+          </a:lnRef>
+          <a:fillRef idx="0">
+            <a:schemeClr val="accent1"/>
+          </a:fillRef>
+          <a:effectRef idx="0">
+            <a:schemeClr val="accent1"/>
+          </a:effectRef>
+          <a:fontRef idx="minor">
+            <a:schemeClr val="tx1"/>
+          </a:fontRef>
+        </p:style>
+      </p:cxnSp>
+      <p:cxnSp>
+        <p:nvCxnSpPr>
+          <p:cNvPr id="24" name="מחבר ישר 23">
+            <a:extLst>
+              <a:ext uri="{FF2B5EF4-FFF2-40B4-BE49-F238E27FC236}">
+                <a16:creationId xmlns:a16="http://schemas.microsoft.com/office/drawing/2014/main" id="{77A776EC-FA16-4042-9D77-C10F213D0AFB}"/>
+              </a:ext>
+            </a:extLst>
+          </p:cNvPr>
+          <p:cNvCxnSpPr>
+            <a:cxnSpLocks/>
+          </p:cNvCxnSpPr>
+          <p:nvPr/>
+        </p:nvCxnSpPr>
+        <p:spPr>
+          <a:xfrm flipH="1" flipV="1">
+            <a:off x="4037794" y="1171617"/>
+            <a:ext cx="516350" cy="3383281"/>
+          </a:xfrm>
+          <a:prstGeom prst="line">
+            <a:avLst/>
+          </a:prstGeom>
+          <a:solidFill>
+            <a:srgbClr val="2E8B57"/>
+          </a:solidFill>
+          <a:ln w="203200">
+            <a:solidFill>
+              <a:schemeClr val="tx1"/>
+            </a:solidFill>
+          </a:ln>
+        </p:spPr>
+        <p:style>
+          <a:lnRef idx="1">
+            <a:schemeClr val="accent1"/>
+          </a:lnRef>
+          <a:fillRef idx="0">
+            <a:schemeClr val="accent1"/>
+          </a:fillRef>
+          <a:effectRef idx="0">
+            <a:schemeClr val="accent1"/>
+          </a:effectRef>
+          <a:fontRef idx="minor">
+            <a:schemeClr val="tx1"/>
+          </a:fontRef>
+        </p:style>
+      </p:cxnSp>
+      <p:cxnSp>
+        <p:nvCxnSpPr>
+          <p:cNvPr id="27" name="מחבר ישר 26">
+            <a:extLst>
+              <a:ext uri="{FF2B5EF4-FFF2-40B4-BE49-F238E27FC236}">
+                <a16:creationId xmlns:a16="http://schemas.microsoft.com/office/drawing/2014/main" id="{C62BFB59-E299-4C9A-900C-0C5AE310343D}"/>
+              </a:ext>
+            </a:extLst>
+          </p:cNvPr>
+          <p:cNvCxnSpPr>
+            <a:cxnSpLocks/>
+          </p:cNvCxnSpPr>
+          <p:nvPr/>
+        </p:nvCxnSpPr>
+        <p:spPr>
+          <a:xfrm flipH="1">
+            <a:off x="4465707" y="4474917"/>
+            <a:ext cx="2554340" cy="0"/>
+          </a:xfrm>
+          <a:prstGeom prst="line">
+            <a:avLst/>
+          </a:prstGeom>
+          <a:solidFill>
+            <a:srgbClr val="2E8B57"/>
+          </a:solidFill>
+          <a:ln w="203200">
+            <a:solidFill>
+              <a:schemeClr val="tx1"/>
+            </a:solidFill>
+          </a:ln>
+        </p:spPr>
+        <p:style>
+          <a:lnRef idx="1">
+            <a:schemeClr val="accent1"/>
+          </a:lnRef>
+          <a:fillRef idx="0">
+            <a:schemeClr val="accent1"/>
+          </a:fillRef>
+          <a:effectRef idx="0">
+            <a:schemeClr val="accent1"/>
+          </a:effectRef>
+          <a:fontRef idx="minor">
+            <a:schemeClr val="tx1"/>
+          </a:fontRef>
+        </p:style>
+      </p:cxnSp>
+      <p:cxnSp>
+        <p:nvCxnSpPr>
+          <p:cNvPr id="30" name="מחבר ישר 29">
+            <a:extLst>
+              <a:ext uri="{FF2B5EF4-FFF2-40B4-BE49-F238E27FC236}">
+                <a16:creationId xmlns:a16="http://schemas.microsoft.com/office/drawing/2014/main" id="{2A4C1115-086C-45E0-8DE6-88D8793F7B61}"/>
+              </a:ext>
+            </a:extLst>
+          </p:cNvPr>
+          <p:cNvCxnSpPr>
+            <a:cxnSpLocks/>
+          </p:cNvCxnSpPr>
+          <p:nvPr/>
+        </p:nvCxnSpPr>
+        <p:spPr>
+          <a:xfrm flipH="1">
+            <a:off x="2937954" y="1253415"/>
+            <a:ext cx="1197137" cy="0"/>
+          </a:xfrm>
+          <a:prstGeom prst="line">
+            <a:avLst/>
+          </a:prstGeom>
+          <a:solidFill>
+            <a:srgbClr val="2E8B57"/>
+          </a:solidFill>
+          <a:ln w="203200">
+            <a:solidFill>
+              <a:schemeClr val="tx1"/>
+            </a:solidFill>
+          </a:ln>
+        </p:spPr>
+        <p:style>
+          <a:lnRef idx="1">
+            <a:schemeClr val="accent1"/>
+          </a:lnRef>
+          <a:fillRef idx="0">
+            <a:schemeClr val="accent1"/>
+          </a:fillRef>
+          <a:effectRef idx="0">
+            <a:schemeClr val="accent1"/>
+          </a:effectRef>
+          <a:fontRef idx="minor">
+            <a:schemeClr val="tx1"/>
+          </a:fontRef>
+        </p:style>
+      </p:cxnSp>
+      <p:sp>
+        <p:nvSpPr>
+          <p:cNvPr id="40" name="אליפסה 39">
+            <a:extLst>
+              <a:ext uri="{FF2B5EF4-FFF2-40B4-BE49-F238E27FC236}">
+                <a16:creationId xmlns:a16="http://schemas.microsoft.com/office/drawing/2014/main" id="{CF89331A-F793-4459-8F89-732ED042CE39}"/>
+              </a:ext>
+            </a:extLst>
+          </p:cNvPr>
+          <p:cNvSpPr/>
+          <p:nvPr/>
+        </p:nvSpPr>
+        <p:spPr>
+          <a:xfrm>
+            <a:off x="6316393" y="4819032"/>
+            <a:ext cx="640080" cy="640080"/>
+          </a:xfrm>
+          <a:prstGeom prst="ellipse">
+            <a:avLst/>
+          </a:prstGeom>
+          <a:solidFill>
+            <a:schemeClr val="bg1"/>
+          </a:solidFill>
+          <a:ln w="203200">
+            <a:solidFill>
+              <a:schemeClr val="tx1"/>
+            </a:solidFill>
+          </a:ln>
+        </p:spPr>
+        <p:style>
+          <a:lnRef idx="2">
+            <a:schemeClr val="accent1">
+              <a:shade val="50000"/>
+            </a:schemeClr>
+          </a:lnRef>
+          <a:fillRef idx="1">
+            <a:schemeClr val="accent1"/>
+          </a:fillRef>
+          <a:effectRef idx="0">
+            <a:schemeClr val="accent1"/>
+          </a:effectRef>
+          <a:fontRef idx="minor">
+            <a:schemeClr val="lt1"/>
+          </a:fontRef>
+        </p:style>
+        <p:txBody>
+          <a:bodyPr rtlCol="0" anchor="ctr"/>
+          <a:lstStyle/>
+          <a:p>
+            <a:pPr algn="ctr"/>
+            <a:endParaRPr lang="en-US" dirty="0"/>
+          </a:p>
+        </p:txBody>
+      </p:sp>
+    </p:spTree>
+    <p:extLst>
+      <p:ext uri="{BB962C8B-B14F-4D97-AF65-F5344CB8AC3E}">
+        <p14:creationId xmlns:p14="http://schemas.microsoft.com/office/powerpoint/2010/main" val="2899777115"/>
+      </p:ext>
+    </p:extLst>
+  </p:cSld>
+  <p:clrMapOvr>
+    <a:masterClrMapping/>
+  </p:clrMapOvr>
+</p:sld>
+</file>
+
+<file path=ppt/slides/slide12.xml><?xml version="1.0" encoding="utf-8"?>
+<p:sld xmlns:a="http://schemas.openxmlformats.org/drawingml/2006/main" xmlns:r="http://schemas.openxmlformats.org/officeDocument/2006/relationships" xmlns:p="http://schemas.openxmlformats.org/presentationml/2006/main">
+  <p:cSld>
+    <p:spTree>
+      <p:nvGrpSpPr>
+        <p:cNvPr id="1" name=""/>
+        <p:cNvGrpSpPr/>
+        <p:nvPr/>
+      </p:nvGrpSpPr>
+      <p:grpSpPr>
+        <a:xfrm>
+          <a:off x="0" y="0"/>
+          <a:ext cx="0" cy="0"/>
+          <a:chOff x="0" y="0"/>
+          <a:chExt cx="0" cy="0"/>
+        </a:xfrm>
+      </p:grpSpPr>
+      <p:sp>
+        <p:nvSpPr>
+          <p:cNvPr id="19" name="אליפסה 18">
+            <a:extLst>
+              <a:ext uri="{FF2B5EF4-FFF2-40B4-BE49-F238E27FC236}">
+                <a16:creationId xmlns:a16="http://schemas.microsoft.com/office/drawing/2014/main" id="{76935675-6FFC-4A8D-AFF5-75930542430B}"/>
+              </a:ext>
+            </a:extLst>
+          </p:cNvPr>
+          <p:cNvSpPr/>
+          <p:nvPr/>
+        </p:nvSpPr>
+        <p:spPr>
+          <a:xfrm>
+            <a:off x="4488601" y="4823999"/>
+            <a:ext cx="640080" cy="640080"/>
+          </a:xfrm>
+          <a:prstGeom prst="ellipse">
+            <a:avLst/>
+          </a:prstGeom>
+          <a:solidFill>
+            <a:schemeClr val="bg1"/>
+          </a:solidFill>
+          <a:ln w="203200">
+            <a:solidFill>
+              <a:schemeClr val="tx1"/>
+            </a:solidFill>
+          </a:ln>
+        </p:spPr>
+        <p:style>
+          <a:lnRef idx="2">
+            <a:schemeClr val="accent1">
+              <a:shade val="50000"/>
+            </a:schemeClr>
+          </a:lnRef>
+          <a:fillRef idx="1">
+            <a:schemeClr val="accent1"/>
+          </a:fillRef>
+          <a:effectRef idx="0">
+            <a:schemeClr val="accent1"/>
+          </a:effectRef>
+          <a:fontRef idx="minor">
+            <a:schemeClr val="lt1"/>
+          </a:fontRef>
+        </p:style>
+        <p:txBody>
+          <a:bodyPr rtlCol="0" anchor="ctr"/>
+          <a:lstStyle/>
+          <a:p>
+            <a:pPr algn="ctr"/>
+            <a:endParaRPr lang="en-US" dirty="0"/>
+          </a:p>
+        </p:txBody>
+      </p:sp>
+      <p:cxnSp>
+        <p:nvCxnSpPr>
+          <p:cNvPr id="22" name="מחבר ישר 21">
+            <a:extLst>
+              <a:ext uri="{FF2B5EF4-FFF2-40B4-BE49-F238E27FC236}">
+                <a16:creationId xmlns:a16="http://schemas.microsoft.com/office/drawing/2014/main" id="{B20A21BD-54DE-48D0-90A4-BBCFA7CCED98}"/>
+              </a:ext>
+            </a:extLst>
+          </p:cNvPr>
+          <p:cNvCxnSpPr>
+            <a:cxnSpLocks/>
+          </p:cNvCxnSpPr>
+          <p:nvPr/>
+        </p:nvCxnSpPr>
+        <p:spPr>
+          <a:xfrm flipH="1">
+            <a:off x="4395367" y="3810762"/>
+            <a:ext cx="2561106" cy="0"/>
+          </a:xfrm>
+          <a:prstGeom prst="line">
+            <a:avLst/>
+          </a:prstGeom>
+          <a:solidFill>
+            <a:srgbClr val="2E8B57"/>
+          </a:solidFill>
+          <a:ln w="203200">
+            <a:solidFill>
+              <a:schemeClr val="tx1"/>
+            </a:solidFill>
+          </a:ln>
+        </p:spPr>
+        <p:style>
+          <a:lnRef idx="1">
+            <a:schemeClr val="accent1"/>
+          </a:lnRef>
+          <a:fillRef idx="0">
+            <a:schemeClr val="accent1"/>
+          </a:fillRef>
+          <a:effectRef idx="0">
+            <a:schemeClr val="accent1"/>
+          </a:effectRef>
+          <a:fontRef idx="minor">
+            <a:schemeClr val="tx1"/>
+          </a:fontRef>
+        </p:style>
+      </p:cxnSp>
+      <p:cxnSp>
+        <p:nvCxnSpPr>
+          <p:cNvPr id="23" name="מחבר ישר 22">
+            <a:extLst>
+              <a:ext uri="{FF2B5EF4-FFF2-40B4-BE49-F238E27FC236}">
+                <a16:creationId xmlns:a16="http://schemas.microsoft.com/office/drawing/2014/main" id="{1EFAC3D9-73F9-437E-A771-99F336A0DD6F}"/>
+              </a:ext>
+            </a:extLst>
+          </p:cNvPr>
+          <p:cNvCxnSpPr>
+            <a:cxnSpLocks/>
+          </p:cNvCxnSpPr>
+          <p:nvPr/>
+        </p:nvCxnSpPr>
+        <p:spPr>
+          <a:xfrm flipH="1">
+            <a:off x="6866583" y="1849901"/>
+            <a:ext cx="796760" cy="2027461"/>
+          </a:xfrm>
+          <a:prstGeom prst="line">
+            <a:avLst/>
+          </a:prstGeom>
+          <a:solidFill>
+            <a:srgbClr val="2E8B57"/>
+          </a:solidFill>
+          <a:ln w="203200">
+            <a:solidFill>
+              <a:schemeClr val="tx1"/>
+            </a:solidFill>
+          </a:ln>
+        </p:spPr>
+        <p:style>
+          <a:lnRef idx="1">
+            <a:schemeClr val="accent1"/>
+          </a:lnRef>
+          <a:fillRef idx="0">
+            <a:schemeClr val="accent1"/>
+          </a:fillRef>
+          <a:effectRef idx="0">
+            <a:schemeClr val="accent1"/>
+          </a:effectRef>
+          <a:fontRef idx="minor">
+            <a:schemeClr val="tx1"/>
+          </a:fontRef>
+        </p:style>
+      </p:cxnSp>
+      <p:cxnSp>
+        <p:nvCxnSpPr>
+          <p:cNvPr id="24" name="מחבר ישר 23">
+            <a:extLst>
+              <a:ext uri="{FF2B5EF4-FFF2-40B4-BE49-F238E27FC236}">
+                <a16:creationId xmlns:a16="http://schemas.microsoft.com/office/drawing/2014/main" id="{77A776EC-FA16-4042-9D77-C10F213D0AFB}"/>
+              </a:ext>
+            </a:extLst>
+          </p:cNvPr>
+          <p:cNvCxnSpPr>
+            <a:cxnSpLocks/>
+          </p:cNvCxnSpPr>
+          <p:nvPr/>
+        </p:nvCxnSpPr>
+        <p:spPr>
+          <a:xfrm flipH="1" flipV="1">
+            <a:off x="4037794" y="1171617"/>
+            <a:ext cx="516350" cy="3383281"/>
+          </a:xfrm>
+          <a:prstGeom prst="line">
+            <a:avLst/>
+          </a:prstGeom>
+          <a:solidFill>
+            <a:srgbClr val="2E8B57"/>
+          </a:solidFill>
+          <a:ln w="203200">
+            <a:solidFill>
+              <a:schemeClr val="tx1"/>
+            </a:solidFill>
+          </a:ln>
+        </p:spPr>
+        <p:style>
+          <a:lnRef idx="1">
+            <a:schemeClr val="accent1"/>
+          </a:lnRef>
+          <a:fillRef idx="0">
+            <a:schemeClr val="accent1"/>
+          </a:fillRef>
+          <a:effectRef idx="0">
+            <a:schemeClr val="accent1"/>
+          </a:effectRef>
+          <a:fontRef idx="minor">
+            <a:schemeClr val="tx1"/>
+          </a:fontRef>
+        </p:style>
+      </p:cxnSp>
+      <p:cxnSp>
+        <p:nvCxnSpPr>
+          <p:cNvPr id="27" name="מחבר ישר 26">
+            <a:extLst>
+              <a:ext uri="{FF2B5EF4-FFF2-40B4-BE49-F238E27FC236}">
+                <a16:creationId xmlns:a16="http://schemas.microsoft.com/office/drawing/2014/main" id="{C62BFB59-E299-4C9A-900C-0C5AE310343D}"/>
+              </a:ext>
+            </a:extLst>
+          </p:cNvPr>
+          <p:cNvCxnSpPr>
+            <a:cxnSpLocks/>
+          </p:cNvCxnSpPr>
+          <p:nvPr/>
+        </p:nvCxnSpPr>
+        <p:spPr>
+          <a:xfrm flipH="1">
+            <a:off x="4465707" y="4474917"/>
+            <a:ext cx="2554340" cy="0"/>
+          </a:xfrm>
+          <a:prstGeom prst="line">
+            <a:avLst/>
+          </a:prstGeom>
+          <a:solidFill>
+            <a:srgbClr val="2E8B57"/>
+          </a:solidFill>
+          <a:ln w="203200">
+            <a:solidFill>
+              <a:schemeClr val="tx1"/>
+            </a:solidFill>
+          </a:ln>
+        </p:spPr>
+        <p:style>
+          <a:lnRef idx="1">
+            <a:schemeClr val="accent1"/>
+          </a:lnRef>
+          <a:fillRef idx="0">
+            <a:schemeClr val="accent1"/>
+          </a:fillRef>
+          <a:effectRef idx="0">
+            <a:schemeClr val="accent1"/>
+          </a:effectRef>
+          <a:fontRef idx="minor">
+            <a:schemeClr val="tx1"/>
+          </a:fontRef>
+        </p:style>
+      </p:cxnSp>
+      <p:cxnSp>
+        <p:nvCxnSpPr>
+          <p:cNvPr id="30" name="מחבר ישר 29">
+            <a:extLst>
+              <a:ext uri="{FF2B5EF4-FFF2-40B4-BE49-F238E27FC236}">
+                <a16:creationId xmlns:a16="http://schemas.microsoft.com/office/drawing/2014/main" id="{2A4C1115-086C-45E0-8DE6-88D8793F7B61}"/>
+              </a:ext>
+            </a:extLst>
+          </p:cNvPr>
+          <p:cNvCxnSpPr>
+            <a:cxnSpLocks/>
+          </p:cNvCxnSpPr>
+          <p:nvPr/>
+        </p:nvCxnSpPr>
+        <p:spPr>
+          <a:xfrm flipH="1">
+            <a:off x="2937954" y="1253415"/>
+            <a:ext cx="1197137" cy="0"/>
+          </a:xfrm>
+          <a:prstGeom prst="line">
+            <a:avLst/>
+          </a:prstGeom>
+          <a:solidFill>
+            <a:srgbClr val="2E8B57"/>
+          </a:solidFill>
+          <a:ln w="203200">
+            <a:solidFill>
+              <a:schemeClr val="tx1"/>
+            </a:solidFill>
+          </a:ln>
+        </p:spPr>
+        <p:style>
+          <a:lnRef idx="1">
+            <a:schemeClr val="accent1"/>
+          </a:lnRef>
+          <a:fillRef idx="0">
+            <a:schemeClr val="accent1"/>
+          </a:fillRef>
+          <a:effectRef idx="0">
+            <a:schemeClr val="accent1"/>
+          </a:effectRef>
+          <a:fontRef idx="minor">
+            <a:schemeClr val="tx1"/>
+          </a:fontRef>
+        </p:style>
+      </p:cxnSp>
+      <p:sp>
+        <p:nvSpPr>
+          <p:cNvPr id="40" name="אליפסה 39">
+            <a:extLst>
+              <a:ext uri="{FF2B5EF4-FFF2-40B4-BE49-F238E27FC236}">
+                <a16:creationId xmlns:a16="http://schemas.microsoft.com/office/drawing/2014/main" id="{CF89331A-F793-4459-8F89-732ED042CE39}"/>
+              </a:ext>
+            </a:extLst>
+          </p:cNvPr>
+          <p:cNvSpPr/>
+          <p:nvPr/>
+        </p:nvSpPr>
+        <p:spPr>
+          <a:xfrm>
+            <a:off x="6316393" y="4819032"/>
+            <a:ext cx="640080" cy="640080"/>
+          </a:xfrm>
+          <a:prstGeom prst="ellipse">
+            <a:avLst/>
+          </a:prstGeom>
+          <a:solidFill>
+            <a:schemeClr val="bg1"/>
+          </a:solidFill>
+          <a:ln w="203200">
+            <a:solidFill>
+              <a:schemeClr val="tx1"/>
+            </a:solidFill>
+          </a:ln>
+        </p:spPr>
+        <p:style>
+          <a:lnRef idx="2">
+            <a:schemeClr val="accent1">
+              <a:shade val="50000"/>
+            </a:schemeClr>
+          </a:lnRef>
+          <a:fillRef idx="1">
+            <a:schemeClr val="accent1"/>
+          </a:fillRef>
+          <a:effectRef idx="0">
+            <a:schemeClr val="accent1"/>
+          </a:effectRef>
+          <a:fontRef idx="minor">
+            <a:schemeClr val="lt1"/>
+          </a:fontRef>
+        </p:style>
+        <p:txBody>
+          <a:bodyPr rtlCol="0" anchor="ctr"/>
+          <a:lstStyle/>
+          <a:p>
+            <a:pPr algn="ctr"/>
+            <a:endParaRPr lang="en-US" dirty="0"/>
+          </a:p>
+        </p:txBody>
+      </p:sp>
+      <p:grpSp>
+        <p:nvGrpSpPr>
+          <p:cNvPr id="41" name="קבוצה 40">
+            <a:extLst>
+              <a:ext uri="{FF2B5EF4-FFF2-40B4-BE49-F238E27FC236}">
+                <a16:creationId xmlns:a16="http://schemas.microsoft.com/office/drawing/2014/main" id="{50DECBA0-D47E-49E1-9C81-3E93315C1B73}"/>
+              </a:ext>
+            </a:extLst>
+          </p:cNvPr>
+          <p:cNvGrpSpPr/>
+          <p:nvPr/>
+        </p:nvGrpSpPr>
+        <p:grpSpPr>
+          <a:xfrm>
+            <a:off x="4338467" y="338568"/>
+            <a:ext cx="2984762" cy="2278886"/>
+            <a:chOff x="4121736" y="960120"/>
+            <a:chExt cx="3538103" cy="2743201"/>
+          </a:xfrm>
+          <a:solidFill>
+            <a:srgbClr val="2E8B57"/>
+          </a:solidFill>
+        </p:grpSpPr>
+        <p:sp>
+          <p:nvSpPr>
+            <p:cNvPr id="42" name="אליפסה 41">
+              <a:extLst>
+                <a:ext uri="{FF2B5EF4-FFF2-40B4-BE49-F238E27FC236}">
+                  <a16:creationId xmlns:a16="http://schemas.microsoft.com/office/drawing/2014/main" id="{45BD55BF-5116-47B2-B210-7105BD5A195C}"/>
+                </a:ext>
+              </a:extLst>
+            </p:cNvPr>
+            <p:cNvSpPr/>
+            <p:nvPr/>
+          </p:nvSpPr>
+          <p:spPr>
+            <a:xfrm>
+              <a:off x="4800600" y="960120"/>
+              <a:ext cx="2164080" cy="2194560"/>
+            </a:xfrm>
+            <a:prstGeom prst="ellipse">
+              <a:avLst/>
+            </a:prstGeom>
+            <a:grpFill/>
+            <a:ln w="203200">
+              <a:solidFill>
+                <a:schemeClr val="tx1"/>
+              </a:solidFill>
+            </a:ln>
+          </p:spPr>
+          <p:style>
+            <a:lnRef idx="2">
+              <a:schemeClr val="accent1">
+                <a:shade val="50000"/>
+              </a:schemeClr>
+            </a:lnRef>
+            <a:fillRef idx="1">
+              <a:schemeClr val="accent1"/>
+            </a:fillRef>
+            <a:effectRef idx="0">
+              <a:schemeClr val="accent1"/>
+            </a:effectRef>
+            <a:fontRef idx="minor">
+              <a:schemeClr val="lt1"/>
+            </a:fontRef>
+          </p:style>
+          <p:txBody>
+            <a:bodyPr rtlCol="0" anchor="ctr"/>
+            <a:lstStyle/>
+            <a:p>
+              <a:pPr algn="ctr"/>
+              <a:endParaRPr lang="en-US"/>
+            </a:p>
+          </p:txBody>
+        </p:sp>
+        <p:sp>
+          <p:nvSpPr>
+            <p:cNvPr id="43" name="אליפסה 42">
+              <a:extLst>
+                <a:ext uri="{FF2B5EF4-FFF2-40B4-BE49-F238E27FC236}">
+                  <a16:creationId xmlns:a16="http://schemas.microsoft.com/office/drawing/2014/main" id="{A282F748-2B73-4858-9E07-3C588E1C0CFC}"/>
+                </a:ext>
+              </a:extLst>
+            </p:cNvPr>
+            <p:cNvSpPr/>
+            <p:nvPr/>
+          </p:nvSpPr>
+          <p:spPr>
+            <a:xfrm>
+              <a:off x="6269520" y="2261754"/>
+              <a:ext cx="1390319" cy="1441567"/>
+            </a:xfrm>
+            <a:prstGeom prst="ellipse">
+              <a:avLst/>
+            </a:prstGeom>
+            <a:grpFill/>
+            <a:ln w="203200">
+              <a:solidFill>
+                <a:schemeClr val="tx1"/>
+              </a:solidFill>
+            </a:ln>
+          </p:spPr>
+          <p:style>
+            <a:lnRef idx="2">
+              <a:schemeClr val="accent1">
+                <a:shade val="50000"/>
+              </a:schemeClr>
+            </a:lnRef>
+            <a:fillRef idx="1">
+              <a:schemeClr val="accent1"/>
+            </a:fillRef>
+            <a:effectRef idx="0">
+              <a:schemeClr val="accent1"/>
+            </a:effectRef>
+            <a:fontRef idx="minor">
+              <a:schemeClr val="lt1"/>
+            </a:fontRef>
+          </p:style>
+          <p:txBody>
+            <a:bodyPr rtlCol="0" anchor="ctr"/>
+            <a:lstStyle/>
+            <a:p>
+              <a:pPr algn="ctr"/>
+              <a:endParaRPr lang="en-US" dirty="0"/>
+            </a:p>
+          </p:txBody>
+        </p:sp>
+        <p:sp>
+          <p:nvSpPr>
+            <p:cNvPr id="48" name="אליפסה 47">
+              <a:extLst>
+                <a:ext uri="{FF2B5EF4-FFF2-40B4-BE49-F238E27FC236}">
+                  <a16:creationId xmlns:a16="http://schemas.microsoft.com/office/drawing/2014/main" id="{BE0F63AB-F319-4851-823A-5A0BEC3663C3}"/>
+                </a:ext>
+              </a:extLst>
+            </p:cNvPr>
+            <p:cNvSpPr/>
+            <p:nvPr/>
+          </p:nvSpPr>
+          <p:spPr>
+            <a:xfrm>
+              <a:off x="4121736" y="2118360"/>
+              <a:ext cx="1075104" cy="1089660"/>
+            </a:xfrm>
+            <a:prstGeom prst="ellipse">
+              <a:avLst/>
+            </a:prstGeom>
+            <a:grpFill/>
+            <a:ln w="203200">
+              <a:solidFill>
+                <a:schemeClr val="tx1"/>
+              </a:solidFill>
+            </a:ln>
+          </p:spPr>
+          <p:style>
+            <a:lnRef idx="2">
+              <a:schemeClr val="accent1">
+                <a:shade val="50000"/>
+              </a:schemeClr>
+            </a:lnRef>
+            <a:fillRef idx="1">
+              <a:schemeClr val="accent1"/>
+            </a:fillRef>
+            <a:effectRef idx="0">
+              <a:schemeClr val="accent1"/>
+            </a:effectRef>
+            <a:fontRef idx="minor">
+              <a:schemeClr val="lt1"/>
+            </a:fontRef>
+          </p:style>
+          <p:txBody>
+            <a:bodyPr rtlCol="0" anchor="ctr"/>
+            <a:lstStyle/>
+            <a:p>
+              <a:pPr algn="ctr"/>
+              <a:endParaRPr lang="en-US"/>
+            </a:p>
+          </p:txBody>
+        </p:sp>
+      </p:grpSp>
+      <p:cxnSp>
+        <p:nvCxnSpPr>
+          <p:cNvPr id="21" name="מחבר ישר 20">
+            <a:extLst>
+              <a:ext uri="{FF2B5EF4-FFF2-40B4-BE49-F238E27FC236}">
+                <a16:creationId xmlns:a16="http://schemas.microsoft.com/office/drawing/2014/main" id="{98BC6C67-BF34-4A5F-880A-FDAAB0474013}"/>
+              </a:ext>
+            </a:extLst>
+          </p:cNvPr>
+          <p:cNvCxnSpPr>
+            <a:cxnSpLocks/>
+          </p:cNvCxnSpPr>
+          <p:nvPr/>
+        </p:nvCxnSpPr>
+        <p:spPr>
+          <a:xfrm flipH="1">
+            <a:off x="4106953" y="1800664"/>
+            <a:ext cx="3644345" cy="0"/>
+          </a:xfrm>
+          <a:prstGeom prst="line">
+            <a:avLst/>
+          </a:prstGeom>
+          <a:solidFill>
+            <a:srgbClr val="2E8B57"/>
+          </a:solidFill>
+          <a:ln w="203200">
+            <a:solidFill>
+              <a:schemeClr val="tx1"/>
+            </a:solidFill>
+          </a:ln>
+        </p:spPr>
+        <p:style>
+          <a:lnRef idx="1">
+            <a:schemeClr val="accent1"/>
+          </a:lnRef>
+          <a:fillRef idx="0">
+            <a:schemeClr val="accent1"/>
+          </a:fillRef>
+          <a:effectRef idx="0">
+            <a:schemeClr val="accent1"/>
+          </a:effectRef>
+          <a:fontRef idx="minor">
+            <a:schemeClr val="tx1"/>
+          </a:fontRef>
+        </p:style>
+      </p:cxnSp>
+    </p:spTree>
+    <p:extLst>
+      <p:ext uri="{BB962C8B-B14F-4D97-AF65-F5344CB8AC3E}">
+        <p14:creationId xmlns:p14="http://schemas.microsoft.com/office/powerpoint/2010/main" val="2223481239"/>
+      </p:ext>
+    </p:extLst>
+  </p:cSld>
+  <p:clrMapOvr>
+    <a:masterClrMapping/>
+  </p:clrMapOvr>
+</p:sld>
+</file>
+
+<file path=ppt/slides/slide13.xml><?xml version="1.0" encoding="utf-8"?>
+<p:sld xmlns:a="http://schemas.openxmlformats.org/drawingml/2006/main" xmlns:r="http://schemas.openxmlformats.org/officeDocument/2006/relationships" xmlns:p="http://schemas.openxmlformats.org/presentationml/2006/main">
+  <p:cSld>
+    <p:spTree>
+      <p:nvGrpSpPr>
+        <p:cNvPr id="1" name=""/>
+        <p:cNvGrpSpPr/>
+        <p:nvPr/>
+      </p:nvGrpSpPr>
+      <p:grpSpPr>
+        <a:xfrm>
+          <a:off x="0" y="0"/>
+          <a:ext cx="0" cy="0"/>
+          <a:chOff x="0" y="0"/>
+          <a:chExt cx="0" cy="0"/>
+        </a:xfrm>
+      </p:grpSpPr>
+      <p:sp>
+        <p:nvSpPr>
+          <p:cNvPr id="19" name="אליפסה 18">
+            <a:extLst>
+              <a:ext uri="{FF2B5EF4-FFF2-40B4-BE49-F238E27FC236}">
+                <a16:creationId xmlns:a16="http://schemas.microsoft.com/office/drawing/2014/main" id="{76935675-6FFC-4A8D-AFF5-75930542430B}"/>
+              </a:ext>
+            </a:extLst>
+          </p:cNvPr>
+          <p:cNvSpPr/>
+          <p:nvPr/>
+        </p:nvSpPr>
+        <p:spPr>
+          <a:xfrm>
+            <a:off x="4488601" y="4823999"/>
+            <a:ext cx="640080" cy="640080"/>
+          </a:xfrm>
+          <a:prstGeom prst="ellipse">
+            <a:avLst/>
+          </a:prstGeom>
+          <a:solidFill>
+            <a:schemeClr val="bg1"/>
+          </a:solidFill>
+          <a:ln w="203200">
+            <a:solidFill>
+              <a:schemeClr val="tx1"/>
+            </a:solidFill>
+          </a:ln>
+        </p:spPr>
+        <p:style>
+          <a:lnRef idx="2">
+            <a:schemeClr val="accent1">
+              <a:shade val="50000"/>
+            </a:schemeClr>
+          </a:lnRef>
+          <a:fillRef idx="1">
+            <a:schemeClr val="accent1"/>
+          </a:fillRef>
+          <a:effectRef idx="0">
+            <a:schemeClr val="accent1"/>
+          </a:effectRef>
+          <a:fontRef idx="minor">
+            <a:schemeClr val="lt1"/>
+          </a:fontRef>
+        </p:style>
+        <p:txBody>
+          <a:bodyPr rtlCol="0" anchor="ctr"/>
+          <a:lstStyle/>
+          <a:p>
+            <a:pPr algn="ctr"/>
+            <a:endParaRPr lang="en-US" dirty="0"/>
+          </a:p>
+        </p:txBody>
+      </p:sp>
+      <p:cxnSp>
+        <p:nvCxnSpPr>
+          <p:cNvPr id="22" name="מחבר ישר 21">
+            <a:extLst>
+              <a:ext uri="{FF2B5EF4-FFF2-40B4-BE49-F238E27FC236}">
+                <a16:creationId xmlns:a16="http://schemas.microsoft.com/office/drawing/2014/main" id="{B20A21BD-54DE-48D0-90A4-BBCFA7CCED98}"/>
+              </a:ext>
+            </a:extLst>
+          </p:cNvPr>
+          <p:cNvCxnSpPr>
+            <a:cxnSpLocks/>
+          </p:cNvCxnSpPr>
+          <p:nvPr/>
+        </p:nvCxnSpPr>
+        <p:spPr>
+          <a:xfrm flipH="1">
+            <a:off x="4395367" y="3810762"/>
+            <a:ext cx="2561106" cy="0"/>
+          </a:xfrm>
+          <a:prstGeom prst="line">
+            <a:avLst/>
+          </a:prstGeom>
+          <a:solidFill>
+            <a:srgbClr val="2E8B57"/>
+          </a:solidFill>
+          <a:ln w="203200">
+            <a:solidFill>
+              <a:schemeClr val="tx1"/>
+            </a:solidFill>
+          </a:ln>
+        </p:spPr>
+        <p:style>
+          <a:lnRef idx="1">
+            <a:schemeClr val="accent1"/>
+          </a:lnRef>
+          <a:fillRef idx="0">
+            <a:schemeClr val="accent1"/>
+          </a:fillRef>
+          <a:effectRef idx="0">
+            <a:schemeClr val="accent1"/>
+          </a:effectRef>
+          <a:fontRef idx="minor">
+            <a:schemeClr val="tx1"/>
+          </a:fontRef>
+        </p:style>
+      </p:cxnSp>
+      <p:cxnSp>
+        <p:nvCxnSpPr>
+          <p:cNvPr id="23" name="מחבר ישר 22">
+            <a:extLst>
+              <a:ext uri="{FF2B5EF4-FFF2-40B4-BE49-F238E27FC236}">
+                <a16:creationId xmlns:a16="http://schemas.microsoft.com/office/drawing/2014/main" id="{1EFAC3D9-73F9-437E-A771-99F336A0DD6F}"/>
+              </a:ext>
+            </a:extLst>
+          </p:cNvPr>
+          <p:cNvCxnSpPr>
+            <a:cxnSpLocks/>
+          </p:cNvCxnSpPr>
+          <p:nvPr/>
+        </p:nvCxnSpPr>
+        <p:spPr>
+          <a:xfrm flipH="1">
+            <a:off x="6866583" y="1849901"/>
+            <a:ext cx="796760" cy="2027461"/>
+          </a:xfrm>
+          <a:prstGeom prst="line">
+            <a:avLst/>
+          </a:prstGeom>
+          <a:solidFill>
+            <a:srgbClr val="2E8B57"/>
+          </a:solidFill>
+          <a:ln w="203200">
+            <a:solidFill>
+              <a:schemeClr val="tx1"/>
+            </a:solidFill>
+          </a:ln>
+        </p:spPr>
+        <p:style>
+          <a:lnRef idx="1">
+            <a:schemeClr val="accent1"/>
+          </a:lnRef>
+          <a:fillRef idx="0">
+            <a:schemeClr val="accent1"/>
+          </a:fillRef>
+          <a:effectRef idx="0">
+            <a:schemeClr val="accent1"/>
+          </a:effectRef>
+          <a:fontRef idx="minor">
+            <a:schemeClr val="tx1"/>
+          </a:fontRef>
+        </p:style>
+      </p:cxnSp>
+      <p:cxnSp>
+        <p:nvCxnSpPr>
+          <p:cNvPr id="24" name="מחבר ישר 23">
+            <a:extLst>
+              <a:ext uri="{FF2B5EF4-FFF2-40B4-BE49-F238E27FC236}">
+                <a16:creationId xmlns:a16="http://schemas.microsoft.com/office/drawing/2014/main" id="{77A776EC-FA16-4042-9D77-C10F213D0AFB}"/>
+              </a:ext>
+            </a:extLst>
+          </p:cNvPr>
+          <p:cNvCxnSpPr>
+            <a:cxnSpLocks/>
+          </p:cNvCxnSpPr>
+          <p:nvPr/>
+        </p:nvCxnSpPr>
+        <p:spPr>
+          <a:xfrm flipH="1" flipV="1">
+            <a:off x="4037794" y="1171617"/>
+            <a:ext cx="516350" cy="3383281"/>
+          </a:xfrm>
+          <a:prstGeom prst="line">
+            <a:avLst/>
+          </a:prstGeom>
+          <a:solidFill>
+            <a:srgbClr val="2E8B57"/>
+          </a:solidFill>
+          <a:ln w="203200">
+            <a:solidFill>
+              <a:schemeClr val="tx1"/>
+            </a:solidFill>
+          </a:ln>
+        </p:spPr>
+        <p:style>
+          <a:lnRef idx="1">
+            <a:schemeClr val="accent1"/>
+          </a:lnRef>
+          <a:fillRef idx="0">
+            <a:schemeClr val="accent1"/>
+          </a:fillRef>
+          <a:effectRef idx="0">
+            <a:schemeClr val="accent1"/>
+          </a:effectRef>
+          <a:fontRef idx="minor">
+            <a:schemeClr val="tx1"/>
+          </a:fontRef>
+        </p:style>
+      </p:cxnSp>
+      <p:cxnSp>
+        <p:nvCxnSpPr>
+          <p:cNvPr id="27" name="מחבר ישר 26">
+            <a:extLst>
+              <a:ext uri="{FF2B5EF4-FFF2-40B4-BE49-F238E27FC236}">
+                <a16:creationId xmlns:a16="http://schemas.microsoft.com/office/drawing/2014/main" id="{C62BFB59-E299-4C9A-900C-0C5AE310343D}"/>
+              </a:ext>
+            </a:extLst>
+          </p:cNvPr>
+          <p:cNvCxnSpPr>
+            <a:cxnSpLocks/>
+          </p:cNvCxnSpPr>
+          <p:nvPr/>
+        </p:nvCxnSpPr>
+        <p:spPr>
+          <a:xfrm flipH="1">
+            <a:off x="4465707" y="4474917"/>
+            <a:ext cx="2554340" cy="0"/>
+          </a:xfrm>
+          <a:prstGeom prst="line">
+            <a:avLst/>
+          </a:prstGeom>
+          <a:solidFill>
+            <a:srgbClr val="2E8B57"/>
+          </a:solidFill>
+          <a:ln w="203200">
+            <a:solidFill>
+              <a:schemeClr val="tx1"/>
+            </a:solidFill>
+          </a:ln>
+        </p:spPr>
+        <p:style>
+          <a:lnRef idx="1">
+            <a:schemeClr val="accent1"/>
+          </a:lnRef>
+          <a:fillRef idx="0">
+            <a:schemeClr val="accent1"/>
+          </a:fillRef>
+          <a:effectRef idx="0">
+            <a:schemeClr val="accent1"/>
+          </a:effectRef>
+          <a:fontRef idx="minor">
+            <a:schemeClr val="tx1"/>
+          </a:fontRef>
+        </p:style>
+      </p:cxnSp>
+      <p:cxnSp>
+        <p:nvCxnSpPr>
+          <p:cNvPr id="30" name="מחבר ישר 29">
+            <a:extLst>
+              <a:ext uri="{FF2B5EF4-FFF2-40B4-BE49-F238E27FC236}">
+                <a16:creationId xmlns:a16="http://schemas.microsoft.com/office/drawing/2014/main" id="{2A4C1115-086C-45E0-8DE6-88D8793F7B61}"/>
+              </a:ext>
+            </a:extLst>
+          </p:cNvPr>
+          <p:cNvCxnSpPr>
+            <a:cxnSpLocks/>
+          </p:cNvCxnSpPr>
+          <p:nvPr/>
+        </p:nvCxnSpPr>
+        <p:spPr>
+          <a:xfrm flipH="1">
+            <a:off x="2937954" y="1253415"/>
+            <a:ext cx="1197137" cy="0"/>
+          </a:xfrm>
+          <a:prstGeom prst="line">
+            <a:avLst/>
+          </a:prstGeom>
+          <a:solidFill>
+            <a:srgbClr val="2E8B57"/>
+          </a:solidFill>
+          <a:ln w="203200">
+            <a:solidFill>
+              <a:schemeClr val="tx1"/>
+            </a:solidFill>
+          </a:ln>
+        </p:spPr>
+        <p:style>
+          <a:lnRef idx="1">
+            <a:schemeClr val="accent1"/>
+          </a:lnRef>
+          <a:fillRef idx="0">
+            <a:schemeClr val="accent1"/>
+          </a:fillRef>
+          <a:effectRef idx="0">
+            <a:schemeClr val="accent1"/>
+          </a:effectRef>
+          <a:fontRef idx="minor">
+            <a:schemeClr val="tx1"/>
+          </a:fontRef>
+        </p:style>
+      </p:cxnSp>
+      <p:sp>
+        <p:nvSpPr>
+          <p:cNvPr id="40" name="אליפסה 39">
+            <a:extLst>
+              <a:ext uri="{FF2B5EF4-FFF2-40B4-BE49-F238E27FC236}">
+                <a16:creationId xmlns:a16="http://schemas.microsoft.com/office/drawing/2014/main" id="{CF89331A-F793-4459-8F89-732ED042CE39}"/>
+              </a:ext>
+            </a:extLst>
+          </p:cNvPr>
+          <p:cNvSpPr/>
+          <p:nvPr/>
+        </p:nvSpPr>
+        <p:spPr>
+          <a:xfrm>
+            <a:off x="6316393" y="4819032"/>
+            <a:ext cx="640080" cy="640080"/>
+          </a:xfrm>
+          <a:prstGeom prst="ellipse">
+            <a:avLst/>
+          </a:prstGeom>
+          <a:solidFill>
+            <a:schemeClr val="bg1"/>
+          </a:solidFill>
+          <a:ln w="203200">
+            <a:solidFill>
+              <a:schemeClr val="tx1"/>
+            </a:solidFill>
+          </a:ln>
+        </p:spPr>
+        <p:style>
+          <a:lnRef idx="2">
+            <a:schemeClr val="accent1">
+              <a:shade val="50000"/>
+            </a:schemeClr>
+          </a:lnRef>
+          <a:fillRef idx="1">
+            <a:schemeClr val="accent1"/>
+          </a:fillRef>
+          <a:effectRef idx="0">
+            <a:schemeClr val="accent1"/>
+          </a:effectRef>
+          <a:fontRef idx="minor">
+            <a:schemeClr val="lt1"/>
+          </a:fontRef>
+        </p:style>
+        <p:txBody>
+          <a:bodyPr rtlCol="0" anchor="ctr"/>
+          <a:lstStyle/>
+          <a:p>
+            <a:pPr algn="ctr"/>
+            <a:endParaRPr lang="en-US" dirty="0"/>
+          </a:p>
+        </p:txBody>
+      </p:sp>
+      <p:grpSp>
+        <p:nvGrpSpPr>
+          <p:cNvPr id="41" name="קבוצה 40">
+            <a:extLst>
+              <a:ext uri="{FF2B5EF4-FFF2-40B4-BE49-F238E27FC236}">
+                <a16:creationId xmlns:a16="http://schemas.microsoft.com/office/drawing/2014/main" id="{50DECBA0-D47E-49E1-9C81-3E93315C1B73}"/>
+              </a:ext>
+            </a:extLst>
+          </p:cNvPr>
+          <p:cNvGrpSpPr/>
+          <p:nvPr/>
+        </p:nvGrpSpPr>
+        <p:grpSpPr>
+          <a:xfrm>
+            <a:off x="4338467" y="338567"/>
+            <a:ext cx="2984762" cy="1969396"/>
+            <a:chOff x="4121736" y="960120"/>
+            <a:chExt cx="3538103" cy="2370654"/>
+          </a:xfrm>
+          <a:solidFill>
+            <a:srgbClr val="2E8B57"/>
+          </a:solidFill>
+        </p:grpSpPr>
+        <p:sp>
+          <p:nvSpPr>
+            <p:cNvPr id="42" name="אליפסה 41">
+              <a:extLst>
+                <a:ext uri="{FF2B5EF4-FFF2-40B4-BE49-F238E27FC236}">
+                  <a16:creationId xmlns:a16="http://schemas.microsoft.com/office/drawing/2014/main" id="{45BD55BF-5116-47B2-B210-7105BD5A195C}"/>
+                </a:ext>
+              </a:extLst>
+            </p:cNvPr>
+            <p:cNvSpPr/>
+            <p:nvPr/>
+          </p:nvSpPr>
+          <p:spPr>
+            <a:xfrm>
+              <a:off x="4800600" y="960120"/>
+              <a:ext cx="2164080" cy="2194560"/>
+            </a:xfrm>
+            <a:prstGeom prst="ellipse">
+              <a:avLst/>
+            </a:prstGeom>
+            <a:grpFill/>
+            <a:ln w="203200">
+              <a:solidFill>
+                <a:schemeClr val="tx1"/>
+              </a:solidFill>
+            </a:ln>
+          </p:spPr>
+          <p:style>
+            <a:lnRef idx="2">
+              <a:schemeClr val="accent1">
+                <a:shade val="50000"/>
+              </a:schemeClr>
+            </a:lnRef>
+            <a:fillRef idx="1">
+              <a:schemeClr val="accent1"/>
+            </a:fillRef>
+            <a:effectRef idx="0">
+              <a:schemeClr val="accent1"/>
+            </a:effectRef>
+            <a:fontRef idx="minor">
+              <a:schemeClr val="lt1"/>
+            </a:fontRef>
+          </p:style>
+          <p:txBody>
+            <a:bodyPr rtlCol="0" anchor="ctr"/>
+            <a:lstStyle/>
+            <a:p>
+              <a:pPr algn="ctr"/>
+              <a:endParaRPr lang="en-US"/>
+            </a:p>
+          </p:txBody>
+        </p:sp>
+        <p:sp>
+          <p:nvSpPr>
+            <p:cNvPr id="43" name="אליפסה 42">
+              <a:extLst>
+                <a:ext uri="{FF2B5EF4-FFF2-40B4-BE49-F238E27FC236}">
+                  <a16:creationId xmlns:a16="http://schemas.microsoft.com/office/drawing/2014/main" id="{A282F748-2B73-4858-9E07-3C588E1C0CFC}"/>
+                </a:ext>
+              </a:extLst>
+            </p:cNvPr>
+            <p:cNvSpPr/>
+            <p:nvPr/>
+          </p:nvSpPr>
+          <p:spPr>
+            <a:xfrm>
+              <a:off x="6269520" y="1889209"/>
+              <a:ext cx="1390319" cy="1441565"/>
+            </a:xfrm>
+            <a:prstGeom prst="ellipse">
+              <a:avLst/>
+            </a:prstGeom>
+            <a:grpFill/>
+            <a:ln w="203200">
+              <a:solidFill>
+                <a:schemeClr val="tx1"/>
+              </a:solidFill>
+            </a:ln>
+          </p:spPr>
+          <p:style>
+            <a:lnRef idx="2">
+              <a:schemeClr val="accent1">
+                <a:shade val="50000"/>
+              </a:schemeClr>
+            </a:lnRef>
+            <a:fillRef idx="1">
+              <a:schemeClr val="accent1"/>
+            </a:fillRef>
+            <a:effectRef idx="0">
+              <a:schemeClr val="accent1"/>
+            </a:effectRef>
+            <a:fontRef idx="minor">
+              <a:schemeClr val="lt1"/>
+            </a:fontRef>
+          </p:style>
+          <p:txBody>
+            <a:bodyPr rtlCol="0" anchor="ctr"/>
+            <a:lstStyle/>
+            <a:p>
+              <a:pPr algn="ctr"/>
+              <a:endParaRPr lang="en-US" dirty="0"/>
+            </a:p>
+          </p:txBody>
+        </p:sp>
+        <p:sp>
+          <p:nvSpPr>
+            <p:cNvPr id="48" name="אליפסה 47">
+              <a:extLst>
+                <a:ext uri="{FF2B5EF4-FFF2-40B4-BE49-F238E27FC236}">
+                  <a16:creationId xmlns:a16="http://schemas.microsoft.com/office/drawing/2014/main" id="{BE0F63AB-F319-4851-823A-5A0BEC3663C3}"/>
+                </a:ext>
+              </a:extLst>
+            </p:cNvPr>
+            <p:cNvSpPr/>
+            <p:nvPr/>
+          </p:nvSpPr>
+          <p:spPr>
+            <a:xfrm>
+              <a:off x="4121736" y="2118360"/>
+              <a:ext cx="1075104" cy="1089660"/>
+            </a:xfrm>
+            <a:prstGeom prst="ellipse">
+              <a:avLst/>
+            </a:prstGeom>
+            <a:grpFill/>
+            <a:ln w="203200">
+              <a:solidFill>
+                <a:schemeClr val="tx1"/>
+              </a:solidFill>
+            </a:ln>
+          </p:spPr>
+          <p:style>
+            <a:lnRef idx="2">
+              <a:schemeClr val="accent1">
+                <a:shade val="50000"/>
+              </a:schemeClr>
+            </a:lnRef>
+            <a:fillRef idx="1">
+              <a:schemeClr val="accent1"/>
+            </a:fillRef>
+            <a:effectRef idx="0">
+              <a:schemeClr val="accent1"/>
+            </a:effectRef>
+            <a:fontRef idx="minor">
+              <a:schemeClr val="lt1"/>
+            </a:fontRef>
+          </p:style>
+          <p:txBody>
+            <a:bodyPr rtlCol="0" anchor="ctr"/>
+            <a:lstStyle/>
+            <a:p>
+              <a:pPr algn="ctr"/>
+              <a:endParaRPr lang="en-US"/>
+            </a:p>
+          </p:txBody>
+        </p:sp>
+      </p:grpSp>
+      <p:cxnSp>
+        <p:nvCxnSpPr>
+          <p:cNvPr id="21" name="מחבר ישר 20">
+            <a:extLst>
+              <a:ext uri="{FF2B5EF4-FFF2-40B4-BE49-F238E27FC236}">
+                <a16:creationId xmlns:a16="http://schemas.microsoft.com/office/drawing/2014/main" id="{98BC6C67-BF34-4A5F-880A-FDAAB0474013}"/>
+              </a:ext>
+            </a:extLst>
+          </p:cNvPr>
+          <p:cNvCxnSpPr>
+            <a:cxnSpLocks/>
+          </p:cNvCxnSpPr>
+          <p:nvPr/>
+        </p:nvCxnSpPr>
+        <p:spPr>
+          <a:xfrm flipH="1">
+            <a:off x="4106953" y="1800664"/>
+            <a:ext cx="3644345" cy="0"/>
+          </a:xfrm>
+          <a:prstGeom prst="line">
+            <a:avLst/>
+          </a:prstGeom>
+          <a:solidFill>
+            <a:srgbClr val="2E8B57"/>
+          </a:solidFill>
+          <a:ln w="203200">
+            <a:solidFill>
+              <a:schemeClr val="tx1"/>
+            </a:solidFill>
+          </a:ln>
+        </p:spPr>
+        <p:style>
+          <a:lnRef idx="1">
+            <a:schemeClr val="accent1"/>
+          </a:lnRef>
+          <a:fillRef idx="0">
+            <a:schemeClr val="accent1"/>
+          </a:fillRef>
+          <a:effectRef idx="0">
+            <a:schemeClr val="accent1"/>
+          </a:effectRef>
+          <a:fontRef idx="minor">
+            <a:schemeClr val="tx1"/>
+          </a:fontRef>
+        </p:style>
+      </p:cxnSp>
+      <p:sp>
+        <p:nvSpPr>
+          <p:cNvPr id="2" name="טרפז 1">
+            <a:extLst>
+              <a:ext uri="{FF2B5EF4-FFF2-40B4-BE49-F238E27FC236}">
+                <a16:creationId xmlns:a16="http://schemas.microsoft.com/office/drawing/2014/main" id="{042FB3CC-6F2E-4E4D-AE37-EB97906290BC}"/>
+              </a:ext>
+            </a:extLst>
+          </p:cNvPr>
+          <p:cNvSpPr/>
+          <p:nvPr/>
+        </p:nvSpPr>
+        <p:spPr>
+          <a:xfrm rot="10800000">
+            <a:off x="4262511" y="1907480"/>
+            <a:ext cx="3265284" cy="1413803"/>
+          </a:xfrm>
+          <a:prstGeom prst="trapezoid">
+            <a:avLst>
+              <a:gd name="adj" fmla="val 40423"/>
+            </a:avLst>
+          </a:prstGeom>
+          <a:solidFill>
+            <a:schemeClr val="bg1"/>
+          </a:solidFill>
+          <a:ln>
+            <a:solidFill>
+              <a:schemeClr val="bg1"/>
+            </a:solidFill>
+          </a:ln>
+        </p:spPr>
+        <p:style>
+          <a:lnRef idx="2">
+            <a:schemeClr val="accent1">
+              <a:shade val="50000"/>
+            </a:schemeClr>
+          </a:lnRef>
+          <a:fillRef idx="1">
+            <a:schemeClr val="accent1"/>
+          </a:fillRef>
+          <a:effectRef idx="0">
+            <a:schemeClr val="accent1"/>
+          </a:effectRef>
+          <a:fontRef idx="minor">
+            <a:schemeClr val="lt1"/>
+          </a:fontRef>
+        </p:style>
+        <p:txBody>
+          <a:bodyPr rtlCol="0" anchor="ctr"/>
+          <a:lstStyle/>
+          <a:p>
+            <a:pPr algn="ctr"/>
+            <a:endParaRPr lang="en-US"/>
+          </a:p>
+        </p:txBody>
+      </p:sp>
+    </p:spTree>
+    <p:extLst>
+      <p:ext uri="{BB962C8B-B14F-4D97-AF65-F5344CB8AC3E}">
+        <p14:creationId xmlns:p14="http://schemas.microsoft.com/office/powerpoint/2010/main" val="1406992087"/>
+      </p:ext>
+    </p:extLst>
+  </p:cSld>
+  <p:clrMapOvr>
+    <a:masterClrMapping/>
+  </p:clrMapOvr>
+</p:sld>
+</file>
+
+<file path=ppt/slides/slide14.xml><?xml version="1.0" encoding="utf-8"?>
+<p:sld xmlns:a="http://schemas.openxmlformats.org/drawingml/2006/main" xmlns:r="http://schemas.openxmlformats.org/officeDocument/2006/relationships" xmlns:p="http://schemas.openxmlformats.org/presentationml/2006/main">
+  <p:cSld>
+    <p:spTree>
+      <p:nvGrpSpPr>
+        <p:cNvPr id="1" name=""/>
+        <p:cNvGrpSpPr/>
+        <p:nvPr/>
+      </p:nvGrpSpPr>
+      <p:grpSpPr>
+        <a:xfrm>
+          <a:off x="0" y="0"/>
+          <a:ext cx="0" cy="0"/>
+          <a:chOff x="0" y="0"/>
+          <a:chExt cx="0" cy="0"/>
+        </a:xfrm>
+      </p:grpSpPr>
+      <p:sp>
+        <p:nvSpPr>
+          <p:cNvPr id="19" name="אליפסה 18">
+            <a:extLst>
+              <a:ext uri="{FF2B5EF4-FFF2-40B4-BE49-F238E27FC236}">
+                <a16:creationId xmlns:a16="http://schemas.microsoft.com/office/drawing/2014/main" id="{76935675-6FFC-4A8D-AFF5-75930542430B}"/>
+              </a:ext>
+            </a:extLst>
+          </p:cNvPr>
+          <p:cNvSpPr/>
+          <p:nvPr/>
+        </p:nvSpPr>
+        <p:spPr>
+          <a:xfrm>
+            <a:off x="4488601" y="4823999"/>
+            <a:ext cx="640080" cy="640080"/>
+          </a:xfrm>
+          <a:prstGeom prst="ellipse">
+            <a:avLst/>
+          </a:prstGeom>
+          <a:solidFill>
+            <a:schemeClr val="bg1"/>
+          </a:solidFill>
+          <a:ln w="203200">
+            <a:solidFill>
+              <a:schemeClr val="tx1"/>
+            </a:solidFill>
+          </a:ln>
+        </p:spPr>
+        <p:style>
+          <a:lnRef idx="2">
+            <a:schemeClr val="accent1">
+              <a:shade val="50000"/>
+            </a:schemeClr>
+          </a:lnRef>
+          <a:fillRef idx="1">
+            <a:schemeClr val="accent1"/>
+          </a:fillRef>
+          <a:effectRef idx="0">
+            <a:schemeClr val="accent1"/>
+          </a:effectRef>
+          <a:fontRef idx="minor">
+            <a:schemeClr val="lt1"/>
+          </a:fontRef>
+        </p:style>
+        <p:txBody>
+          <a:bodyPr rtlCol="0" anchor="ctr"/>
+          <a:lstStyle/>
+          <a:p>
+            <a:pPr algn="ctr"/>
+            <a:endParaRPr lang="en-US" dirty="0"/>
+          </a:p>
+        </p:txBody>
+      </p:sp>
+      <p:cxnSp>
+        <p:nvCxnSpPr>
+          <p:cNvPr id="22" name="מחבר ישר 21">
+            <a:extLst>
+              <a:ext uri="{FF2B5EF4-FFF2-40B4-BE49-F238E27FC236}">
+                <a16:creationId xmlns:a16="http://schemas.microsoft.com/office/drawing/2014/main" id="{B20A21BD-54DE-48D0-90A4-BBCFA7CCED98}"/>
+              </a:ext>
+            </a:extLst>
+          </p:cNvPr>
+          <p:cNvCxnSpPr>
+            <a:cxnSpLocks/>
+          </p:cNvCxnSpPr>
+          <p:nvPr/>
+        </p:nvCxnSpPr>
+        <p:spPr>
+          <a:xfrm flipH="1">
+            <a:off x="4395367" y="3810762"/>
+            <a:ext cx="2561106" cy="0"/>
+          </a:xfrm>
+          <a:prstGeom prst="line">
+            <a:avLst/>
+          </a:prstGeom>
+          <a:solidFill>
+            <a:srgbClr val="2E8B57"/>
+          </a:solidFill>
+          <a:ln w="203200">
+            <a:solidFill>
+              <a:schemeClr val="tx1"/>
+            </a:solidFill>
+          </a:ln>
+        </p:spPr>
+        <p:style>
+          <a:lnRef idx="1">
+            <a:schemeClr val="accent1"/>
+          </a:lnRef>
+          <a:fillRef idx="0">
+            <a:schemeClr val="accent1"/>
+          </a:fillRef>
+          <a:effectRef idx="0">
+            <a:schemeClr val="accent1"/>
+          </a:effectRef>
+          <a:fontRef idx="minor">
+            <a:schemeClr val="tx1"/>
+          </a:fontRef>
+        </p:style>
+      </p:cxnSp>
+      <p:cxnSp>
+        <p:nvCxnSpPr>
+          <p:cNvPr id="23" name="מחבר ישר 22">
+            <a:extLst>
+              <a:ext uri="{FF2B5EF4-FFF2-40B4-BE49-F238E27FC236}">
+                <a16:creationId xmlns:a16="http://schemas.microsoft.com/office/drawing/2014/main" id="{1EFAC3D9-73F9-437E-A771-99F336A0DD6F}"/>
+              </a:ext>
+            </a:extLst>
+          </p:cNvPr>
+          <p:cNvCxnSpPr>
+            <a:cxnSpLocks/>
+          </p:cNvCxnSpPr>
+          <p:nvPr/>
+        </p:nvCxnSpPr>
+        <p:spPr>
+          <a:xfrm flipH="1">
+            <a:off x="6866583" y="1849901"/>
+            <a:ext cx="796760" cy="2027461"/>
+          </a:xfrm>
+          <a:prstGeom prst="line">
+            <a:avLst/>
+          </a:prstGeom>
+          <a:solidFill>
+            <a:srgbClr val="2E8B57"/>
+          </a:solidFill>
+          <a:ln w="203200">
+            <a:solidFill>
+              <a:schemeClr val="tx1"/>
+            </a:solidFill>
+          </a:ln>
+        </p:spPr>
+        <p:style>
+          <a:lnRef idx="1">
+            <a:schemeClr val="accent1"/>
+          </a:lnRef>
+          <a:fillRef idx="0">
+            <a:schemeClr val="accent1"/>
+          </a:fillRef>
+          <a:effectRef idx="0">
+            <a:schemeClr val="accent1"/>
+          </a:effectRef>
+          <a:fontRef idx="minor">
+            <a:schemeClr val="tx1"/>
+          </a:fontRef>
+        </p:style>
+      </p:cxnSp>
+      <p:cxnSp>
+        <p:nvCxnSpPr>
+          <p:cNvPr id="24" name="מחבר ישר 23">
+            <a:extLst>
+              <a:ext uri="{FF2B5EF4-FFF2-40B4-BE49-F238E27FC236}">
+                <a16:creationId xmlns:a16="http://schemas.microsoft.com/office/drawing/2014/main" id="{77A776EC-FA16-4042-9D77-C10F213D0AFB}"/>
+              </a:ext>
+            </a:extLst>
+          </p:cNvPr>
+          <p:cNvCxnSpPr>
+            <a:cxnSpLocks/>
+          </p:cNvCxnSpPr>
+          <p:nvPr/>
+        </p:nvCxnSpPr>
+        <p:spPr>
+          <a:xfrm flipH="1" flipV="1">
+            <a:off x="4037794" y="1171617"/>
+            <a:ext cx="516350" cy="3383281"/>
+          </a:xfrm>
+          <a:prstGeom prst="line">
+            <a:avLst/>
+          </a:prstGeom>
+          <a:solidFill>
+            <a:srgbClr val="2E8B57"/>
+          </a:solidFill>
+          <a:ln w="203200">
+            <a:solidFill>
+              <a:schemeClr val="tx1"/>
+            </a:solidFill>
+          </a:ln>
+        </p:spPr>
+        <p:style>
+          <a:lnRef idx="1">
+            <a:schemeClr val="accent1"/>
+          </a:lnRef>
+          <a:fillRef idx="0">
+            <a:schemeClr val="accent1"/>
+          </a:fillRef>
+          <a:effectRef idx="0">
+            <a:schemeClr val="accent1"/>
+          </a:effectRef>
+          <a:fontRef idx="minor">
+            <a:schemeClr val="tx1"/>
+          </a:fontRef>
+        </p:style>
+      </p:cxnSp>
+      <p:cxnSp>
+        <p:nvCxnSpPr>
+          <p:cNvPr id="27" name="מחבר ישר 26">
+            <a:extLst>
+              <a:ext uri="{FF2B5EF4-FFF2-40B4-BE49-F238E27FC236}">
+                <a16:creationId xmlns:a16="http://schemas.microsoft.com/office/drawing/2014/main" id="{C62BFB59-E299-4C9A-900C-0C5AE310343D}"/>
+              </a:ext>
+            </a:extLst>
+          </p:cNvPr>
+          <p:cNvCxnSpPr>
+            <a:cxnSpLocks/>
+          </p:cNvCxnSpPr>
+          <p:nvPr/>
+        </p:nvCxnSpPr>
+        <p:spPr>
+          <a:xfrm flipH="1">
+            <a:off x="4465707" y="4474917"/>
+            <a:ext cx="2554340" cy="0"/>
+          </a:xfrm>
+          <a:prstGeom prst="line">
+            <a:avLst/>
+          </a:prstGeom>
+          <a:solidFill>
+            <a:srgbClr val="2E8B57"/>
+          </a:solidFill>
+          <a:ln w="203200">
+            <a:solidFill>
+              <a:schemeClr val="tx1"/>
+            </a:solidFill>
+          </a:ln>
+        </p:spPr>
+        <p:style>
+          <a:lnRef idx="1">
+            <a:schemeClr val="accent1"/>
+          </a:lnRef>
+          <a:fillRef idx="0">
+            <a:schemeClr val="accent1"/>
+          </a:fillRef>
+          <a:effectRef idx="0">
+            <a:schemeClr val="accent1"/>
+          </a:effectRef>
+          <a:fontRef idx="minor">
+            <a:schemeClr val="tx1"/>
+          </a:fontRef>
+        </p:style>
+      </p:cxnSp>
+      <p:cxnSp>
+        <p:nvCxnSpPr>
+          <p:cNvPr id="30" name="מחבר ישר 29">
+            <a:extLst>
+              <a:ext uri="{FF2B5EF4-FFF2-40B4-BE49-F238E27FC236}">
+                <a16:creationId xmlns:a16="http://schemas.microsoft.com/office/drawing/2014/main" id="{2A4C1115-086C-45E0-8DE6-88D8793F7B61}"/>
+              </a:ext>
+            </a:extLst>
+          </p:cNvPr>
+          <p:cNvCxnSpPr>
+            <a:cxnSpLocks/>
+          </p:cNvCxnSpPr>
+          <p:nvPr/>
+        </p:nvCxnSpPr>
+        <p:spPr>
+          <a:xfrm flipH="1">
+            <a:off x="2937954" y="1253415"/>
+            <a:ext cx="1197137" cy="0"/>
+          </a:xfrm>
+          <a:prstGeom prst="line">
+            <a:avLst/>
+          </a:prstGeom>
+          <a:solidFill>
+            <a:srgbClr val="2E8B57"/>
+          </a:solidFill>
+          <a:ln w="203200">
+            <a:solidFill>
+              <a:schemeClr val="tx1"/>
+            </a:solidFill>
+          </a:ln>
+        </p:spPr>
+        <p:style>
+          <a:lnRef idx="1">
+            <a:schemeClr val="accent1"/>
+          </a:lnRef>
+          <a:fillRef idx="0">
+            <a:schemeClr val="accent1"/>
+          </a:fillRef>
+          <a:effectRef idx="0">
+            <a:schemeClr val="accent1"/>
+          </a:effectRef>
+          <a:fontRef idx="minor">
+            <a:schemeClr val="tx1"/>
+          </a:fontRef>
+        </p:style>
+      </p:cxnSp>
+      <p:sp>
+        <p:nvSpPr>
+          <p:cNvPr id="40" name="אליפסה 39">
+            <a:extLst>
+              <a:ext uri="{FF2B5EF4-FFF2-40B4-BE49-F238E27FC236}">
+                <a16:creationId xmlns:a16="http://schemas.microsoft.com/office/drawing/2014/main" id="{CF89331A-F793-4459-8F89-732ED042CE39}"/>
+              </a:ext>
+            </a:extLst>
+          </p:cNvPr>
+          <p:cNvSpPr/>
+          <p:nvPr/>
+        </p:nvSpPr>
+        <p:spPr>
+          <a:xfrm>
+            <a:off x="6316393" y="4819032"/>
+            <a:ext cx="640080" cy="640080"/>
+          </a:xfrm>
+          <a:prstGeom prst="ellipse">
+            <a:avLst/>
+          </a:prstGeom>
+          <a:solidFill>
+            <a:schemeClr val="bg1"/>
+          </a:solidFill>
+          <a:ln w="203200">
+            <a:solidFill>
+              <a:schemeClr val="tx1"/>
+            </a:solidFill>
+          </a:ln>
+        </p:spPr>
+        <p:style>
+          <a:lnRef idx="2">
+            <a:schemeClr val="accent1">
+              <a:shade val="50000"/>
+            </a:schemeClr>
+          </a:lnRef>
+          <a:fillRef idx="1">
+            <a:schemeClr val="accent1"/>
+          </a:fillRef>
+          <a:effectRef idx="0">
+            <a:schemeClr val="accent1"/>
+          </a:effectRef>
+          <a:fontRef idx="minor">
+            <a:schemeClr val="lt1"/>
+          </a:fontRef>
+        </p:style>
+        <p:txBody>
+          <a:bodyPr rtlCol="0" anchor="ctr"/>
+          <a:lstStyle/>
+          <a:p>
+            <a:pPr algn="ctr"/>
+            <a:endParaRPr lang="en-US" dirty="0"/>
+          </a:p>
+        </p:txBody>
+      </p:sp>
+      <p:grpSp>
+        <p:nvGrpSpPr>
+          <p:cNvPr id="41" name="קבוצה 40">
+            <a:extLst>
+              <a:ext uri="{FF2B5EF4-FFF2-40B4-BE49-F238E27FC236}">
+                <a16:creationId xmlns:a16="http://schemas.microsoft.com/office/drawing/2014/main" id="{50DECBA0-D47E-49E1-9C81-3E93315C1B73}"/>
+              </a:ext>
+            </a:extLst>
+          </p:cNvPr>
+          <p:cNvGrpSpPr/>
+          <p:nvPr/>
+        </p:nvGrpSpPr>
+        <p:grpSpPr>
+          <a:xfrm>
+            <a:off x="4338467" y="338567"/>
+            <a:ext cx="2984762" cy="1976428"/>
+            <a:chOff x="4121736" y="960120"/>
+            <a:chExt cx="3538103" cy="2379120"/>
+          </a:xfrm>
+          <a:solidFill>
+            <a:srgbClr val="2E8B57"/>
+          </a:solidFill>
+        </p:grpSpPr>
+        <p:sp>
+          <p:nvSpPr>
+            <p:cNvPr id="42" name="אליפסה 41">
+              <a:extLst>
+                <a:ext uri="{FF2B5EF4-FFF2-40B4-BE49-F238E27FC236}">
+                  <a16:creationId xmlns:a16="http://schemas.microsoft.com/office/drawing/2014/main" id="{45BD55BF-5116-47B2-B210-7105BD5A195C}"/>
+                </a:ext>
+              </a:extLst>
+            </p:cNvPr>
+            <p:cNvSpPr/>
+            <p:nvPr/>
+          </p:nvSpPr>
+          <p:spPr>
+            <a:xfrm>
+              <a:off x="4800600" y="960120"/>
+              <a:ext cx="2164080" cy="2194560"/>
+            </a:xfrm>
+            <a:prstGeom prst="ellipse">
+              <a:avLst/>
+            </a:prstGeom>
+            <a:grpFill/>
+            <a:ln w="203200">
+              <a:solidFill>
+                <a:schemeClr val="tx1"/>
+              </a:solidFill>
+            </a:ln>
+          </p:spPr>
+          <p:style>
+            <a:lnRef idx="2">
+              <a:schemeClr val="accent1">
+                <a:shade val="50000"/>
+              </a:schemeClr>
+            </a:lnRef>
+            <a:fillRef idx="1">
+              <a:schemeClr val="accent1"/>
+            </a:fillRef>
+            <a:effectRef idx="0">
+              <a:schemeClr val="accent1"/>
+            </a:effectRef>
+            <a:fontRef idx="minor">
+              <a:schemeClr val="lt1"/>
+            </a:fontRef>
+          </p:style>
+          <p:txBody>
+            <a:bodyPr rtlCol="0" anchor="ctr"/>
+            <a:lstStyle/>
+            <a:p>
+              <a:pPr algn="ctr"/>
+              <a:endParaRPr lang="en-US"/>
+            </a:p>
+          </p:txBody>
+        </p:sp>
+        <p:sp>
+          <p:nvSpPr>
+            <p:cNvPr id="43" name="אליפסה 42">
+              <a:extLst>
+                <a:ext uri="{FF2B5EF4-FFF2-40B4-BE49-F238E27FC236}">
+                  <a16:creationId xmlns:a16="http://schemas.microsoft.com/office/drawing/2014/main" id="{A282F748-2B73-4858-9E07-3C588E1C0CFC}"/>
+                </a:ext>
+              </a:extLst>
+            </p:cNvPr>
+            <p:cNvSpPr/>
+            <p:nvPr/>
+          </p:nvSpPr>
+          <p:spPr>
+            <a:xfrm>
+              <a:off x="6269520" y="1897674"/>
+              <a:ext cx="1390319" cy="1441566"/>
+            </a:xfrm>
+            <a:prstGeom prst="ellipse">
+              <a:avLst/>
+            </a:prstGeom>
+            <a:solidFill>
+              <a:srgbClr val="226842"/>
+            </a:solidFill>
+            <a:ln w="203200">
+              <a:solidFill>
+                <a:schemeClr val="tx1"/>
+              </a:solidFill>
+            </a:ln>
+          </p:spPr>
+          <p:style>
+            <a:lnRef idx="2">
+              <a:schemeClr val="accent1">
+                <a:shade val="50000"/>
+              </a:schemeClr>
+            </a:lnRef>
+            <a:fillRef idx="1">
+              <a:schemeClr val="accent1"/>
+            </a:fillRef>
+            <a:effectRef idx="0">
+              <a:schemeClr val="accent1"/>
+            </a:effectRef>
+            <a:fontRef idx="minor">
+              <a:schemeClr val="lt1"/>
+            </a:fontRef>
+          </p:style>
+          <p:txBody>
+            <a:bodyPr rtlCol="0" anchor="ctr"/>
+            <a:lstStyle/>
+            <a:p>
+              <a:pPr algn="ctr"/>
+              <a:endParaRPr lang="en-US" dirty="0"/>
+            </a:p>
+          </p:txBody>
+        </p:sp>
+        <p:sp>
+          <p:nvSpPr>
+            <p:cNvPr id="48" name="אליפסה 47">
+              <a:extLst>
+                <a:ext uri="{FF2B5EF4-FFF2-40B4-BE49-F238E27FC236}">
+                  <a16:creationId xmlns:a16="http://schemas.microsoft.com/office/drawing/2014/main" id="{BE0F63AB-F319-4851-823A-5A0BEC3663C3}"/>
+                </a:ext>
+              </a:extLst>
+            </p:cNvPr>
+            <p:cNvSpPr/>
+            <p:nvPr/>
+          </p:nvSpPr>
+          <p:spPr>
+            <a:xfrm>
+              <a:off x="4121736" y="2118360"/>
+              <a:ext cx="1075104" cy="1089660"/>
+            </a:xfrm>
+            <a:prstGeom prst="ellipse">
+              <a:avLst/>
+            </a:prstGeom>
+            <a:solidFill>
+              <a:srgbClr val="58C88B"/>
+            </a:solidFill>
+            <a:ln w="203200">
+              <a:solidFill>
+                <a:schemeClr val="tx1"/>
+              </a:solidFill>
+            </a:ln>
+          </p:spPr>
+          <p:style>
+            <a:lnRef idx="2">
+              <a:schemeClr val="accent1">
+                <a:shade val="50000"/>
+              </a:schemeClr>
+            </a:lnRef>
+            <a:fillRef idx="1">
+              <a:schemeClr val="accent1"/>
+            </a:fillRef>
+            <a:effectRef idx="0">
+              <a:schemeClr val="accent1"/>
+            </a:effectRef>
+            <a:fontRef idx="minor">
+              <a:schemeClr val="lt1"/>
+            </a:fontRef>
+          </p:style>
+          <p:txBody>
+            <a:bodyPr rtlCol="0" anchor="ctr"/>
+            <a:lstStyle/>
+            <a:p>
+              <a:pPr algn="ctr"/>
+              <a:endParaRPr lang="en-US"/>
+            </a:p>
+          </p:txBody>
+        </p:sp>
+      </p:grpSp>
+      <p:cxnSp>
+        <p:nvCxnSpPr>
+          <p:cNvPr id="21" name="מחבר ישר 20">
+            <a:extLst>
+              <a:ext uri="{FF2B5EF4-FFF2-40B4-BE49-F238E27FC236}">
+                <a16:creationId xmlns:a16="http://schemas.microsoft.com/office/drawing/2014/main" id="{98BC6C67-BF34-4A5F-880A-FDAAB0474013}"/>
+              </a:ext>
+            </a:extLst>
+          </p:cNvPr>
+          <p:cNvCxnSpPr>
+            <a:cxnSpLocks/>
+          </p:cNvCxnSpPr>
+          <p:nvPr/>
+        </p:nvCxnSpPr>
+        <p:spPr>
+          <a:xfrm flipH="1">
+            <a:off x="4106953" y="1800664"/>
+            <a:ext cx="3644345" cy="0"/>
+          </a:xfrm>
+          <a:prstGeom prst="line">
+            <a:avLst/>
+          </a:prstGeom>
+          <a:solidFill>
+            <a:srgbClr val="2E8B57"/>
+          </a:solidFill>
+          <a:ln w="203200">
+            <a:solidFill>
+              <a:schemeClr val="tx1"/>
+            </a:solidFill>
+          </a:ln>
+        </p:spPr>
+        <p:style>
+          <a:lnRef idx="1">
+            <a:schemeClr val="accent1"/>
+          </a:lnRef>
+          <a:fillRef idx="0">
+            <a:schemeClr val="accent1"/>
+          </a:fillRef>
+          <a:effectRef idx="0">
+            <a:schemeClr val="accent1"/>
+          </a:effectRef>
+          <a:fontRef idx="minor">
+            <a:schemeClr val="tx1"/>
+          </a:fontRef>
+        </p:style>
+      </p:cxnSp>
+      <p:sp>
+        <p:nvSpPr>
+          <p:cNvPr id="2" name="טרפז 1">
+            <a:extLst>
+              <a:ext uri="{FF2B5EF4-FFF2-40B4-BE49-F238E27FC236}">
+                <a16:creationId xmlns:a16="http://schemas.microsoft.com/office/drawing/2014/main" id="{042FB3CC-6F2E-4E4D-AE37-EB97906290BC}"/>
+              </a:ext>
+            </a:extLst>
+          </p:cNvPr>
+          <p:cNvSpPr/>
+          <p:nvPr/>
+        </p:nvSpPr>
+        <p:spPr>
+          <a:xfrm rot="10800000">
+            <a:off x="4262511" y="1907480"/>
+            <a:ext cx="3265284" cy="1413803"/>
+          </a:xfrm>
+          <a:prstGeom prst="trapezoid">
+            <a:avLst>
+              <a:gd name="adj" fmla="val 40423"/>
+            </a:avLst>
+          </a:prstGeom>
+          <a:solidFill>
+            <a:schemeClr val="bg1"/>
+          </a:solidFill>
+          <a:ln>
+            <a:solidFill>
+              <a:schemeClr val="bg1"/>
+            </a:solidFill>
+          </a:ln>
+        </p:spPr>
+        <p:style>
+          <a:lnRef idx="2">
+            <a:schemeClr val="accent1">
+              <a:shade val="50000"/>
+            </a:schemeClr>
+          </a:lnRef>
+          <a:fillRef idx="1">
+            <a:schemeClr val="accent1"/>
+          </a:fillRef>
+          <a:effectRef idx="0">
+            <a:schemeClr val="accent1"/>
+          </a:effectRef>
+          <a:fontRef idx="minor">
+            <a:schemeClr val="lt1"/>
+          </a:fontRef>
+        </p:style>
+        <p:txBody>
+          <a:bodyPr rtlCol="0" anchor="ctr"/>
+          <a:lstStyle/>
+          <a:p>
+            <a:pPr algn="ctr"/>
+            <a:endParaRPr lang="en-US"/>
+          </a:p>
+        </p:txBody>
+      </p:sp>
+    </p:spTree>
+    <p:extLst>
+      <p:ext uri="{BB962C8B-B14F-4D97-AF65-F5344CB8AC3E}">
+        <p14:creationId xmlns:p14="http://schemas.microsoft.com/office/powerpoint/2010/main" val="3450101376"/>
+      </p:ext>
+    </p:extLst>
+  </p:cSld>
+  <p:clrMapOvr>
+    <a:masterClrMapping/>
+  </p:clrMapOvr>
+</p:sld>
+</file>
+
 <file path=ppt/slides/slide2.xml><?xml version="1.0" encoding="utf-8"?>
 <p:sld xmlns:a="http://schemas.openxmlformats.org/drawingml/2006/main" xmlns:r="http://schemas.openxmlformats.org/officeDocument/2006/relationships" xmlns:p="http://schemas.openxmlformats.org/presentationml/2006/main">
   <p:cSld>

--- a/LOGO/esteam_editable.pptx
+++ b/LOGO/esteam_editable.pptx
@@ -45,7 +45,8 @@
     <p:sldId id="317" r:id="rId39"/>
     <p:sldId id="319" r:id="rId40"/>
     <p:sldId id="318" r:id="rId41"/>
-    <p:sldId id="320" r:id="rId42"/>
+    <p:sldId id="321" r:id="rId42"/>
+    <p:sldId id="320" r:id="rId43"/>
   </p:sldIdLst>
   <p:sldSz cx="12192000" cy="6858000"/>
   <p:notesSz cx="6858000" cy="9144000"/>
@@ -22934,6 +22935,665 @@
           </a:prstGeom>
           <a:ln w="228600" cap="rnd">
             <a:solidFill>
+              <a:schemeClr val="tx1"/>
+            </a:solidFill>
+          </a:ln>
+        </p:spPr>
+        <p:style>
+          <a:lnRef idx="1">
+            <a:schemeClr val="accent1"/>
+          </a:lnRef>
+          <a:fillRef idx="0">
+            <a:schemeClr val="accent1"/>
+          </a:fillRef>
+          <a:effectRef idx="0">
+            <a:schemeClr val="accent1"/>
+          </a:effectRef>
+          <a:fontRef idx="minor">
+            <a:schemeClr val="tx1"/>
+          </a:fontRef>
+        </p:style>
+      </p:cxnSp>
+      <p:cxnSp>
+        <p:nvCxnSpPr>
+          <p:cNvPr id="4" name="מחבר ישר 3">
+            <a:extLst>
+              <a:ext uri="{FF2B5EF4-FFF2-40B4-BE49-F238E27FC236}">
+                <a16:creationId xmlns:a16="http://schemas.microsoft.com/office/drawing/2014/main" id="{E73E5332-B63D-4F63-95B7-FF0B0D1F7CB2}"/>
+              </a:ext>
+            </a:extLst>
+          </p:cNvPr>
+          <p:cNvCxnSpPr>
+            <a:cxnSpLocks/>
+          </p:cNvCxnSpPr>
+          <p:nvPr/>
+        </p:nvCxnSpPr>
+        <p:spPr>
+          <a:xfrm>
+            <a:off x="5105107" y="3546287"/>
+            <a:ext cx="314471" cy="0"/>
+          </a:xfrm>
+          <a:prstGeom prst="line">
+            <a:avLst/>
+          </a:prstGeom>
+          <a:ln w="228600" cap="sq">
+            <a:solidFill>
+              <a:schemeClr val="tx1"/>
+            </a:solidFill>
+          </a:ln>
+        </p:spPr>
+        <p:style>
+          <a:lnRef idx="1">
+            <a:schemeClr val="accent1"/>
+          </a:lnRef>
+          <a:fillRef idx="0">
+            <a:schemeClr val="accent1"/>
+          </a:fillRef>
+          <a:effectRef idx="0">
+            <a:schemeClr val="accent1"/>
+          </a:effectRef>
+          <a:fontRef idx="minor">
+            <a:schemeClr val="tx1"/>
+          </a:fontRef>
+        </p:style>
+      </p:cxnSp>
+      <p:cxnSp>
+        <p:nvCxnSpPr>
+          <p:cNvPr id="5" name="מחבר ישר 4">
+            <a:extLst>
+              <a:ext uri="{FF2B5EF4-FFF2-40B4-BE49-F238E27FC236}">
+                <a16:creationId xmlns:a16="http://schemas.microsoft.com/office/drawing/2014/main" id="{7C0590C7-A1DB-4119-A9B9-B96E881190DA}"/>
+              </a:ext>
+            </a:extLst>
+          </p:cNvPr>
+          <p:cNvCxnSpPr>
+            <a:cxnSpLocks/>
+          </p:cNvCxnSpPr>
+          <p:nvPr/>
+        </p:nvCxnSpPr>
+        <p:spPr>
+          <a:xfrm flipV="1">
+            <a:off x="4769182" y="3115289"/>
+            <a:ext cx="208964" cy="222271"/>
+          </a:xfrm>
+          <a:prstGeom prst="line">
+            <a:avLst/>
+          </a:prstGeom>
+          <a:ln w="228600" cap="rnd">
+            <a:solidFill>
+              <a:schemeClr val="tx1"/>
+            </a:solidFill>
+          </a:ln>
+        </p:spPr>
+        <p:style>
+          <a:lnRef idx="1">
+            <a:schemeClr val="accent1"/>
+          </a:lnRef>
+          <a:fillRef idx="0">
+            <a:schemeClr val="accent1"/>
+          </a:fillRef>
+          <a:effectRef idx="0">
+            <a:schemeClr val="accent1"/>
+          </a:effectRef>
+          <a:fontRef idx="minor">
+            <a:schemeClr val="tx1"/>
+          </a:fontRef>
+        </p:style>
+      </p:cxnSp>
+      <p:cxnSp>
+        <p:nvCxnSpPr>
+          <p:cNvPr id="6" name="מחבר ישר 5">
+            <a:extLst>
+              <a:ext uri="{FF2B5EF4-FFF2-40B4-BE49-F238E27FC236}">
+                <a16:creationId xmlns:a16="http://schemas.microsoft.com/office/drawing/2014/main" id="{7D539B2E-786C-4F1A-BC08-49C4C740FC22}"/>
+              </a:ext>
+            </a:extLst>
+          </p:cNvPr>
+          <p:cNvCxnSpPr>
+            <a:cxnSpLocks/>
+          </p:cNvCxnSpPr>
+          <p:nvPr/>
+        </p:nvCxnSpPr>
+        <p:spPr>
+          <a:xfrm>
+            <a:off x="5008333" y="3099143"/>
+            <a:ext cx="844061" cy="0"/>
+          </a:xfrm>
+          <a:prstGeom prst="line">
+            <a:avLst/>
+          </a:prstGeom>
+          <a:ln w="228600" cap="rnd">
+            <a:solidFill>
+              <a:schemeClr val="tx1"/>
+            </a:solidFill>
+          </a:ln>
+        </p:spPr>
+        <p:style>
+          <a:lnRef idx="1">
+            <a:schemeClr val="accent1"/>
+          </a:lnRef>
+          <a:fillRef idx="0">
+            <a:schemeClr val="accent1"/>
+          </a:fillRef>
+          <a:effectRef idx="0">
+            <a:schemeClr val="accent1"/>
+          </a:effectRef>
+          <a:fontRef idx="minor">
+            <a:schemeClr val="tx1"/>
+          </a:fontRef>
+        </p:style>
+      </p:cxnSp>
+      <p:cxnSp>
+        <p:nvCxnSpPr>
+          <p:cNvPr id="7" name="מחבר ישר 6">
+            <a:extLst>
+              <a:ext uri="{FF2B5EF4-FFF2-40B4-BE49-F238E27FC236}">
+                <a16:creationId xmlns:a16="http://schemas.microsoft.com/office/drawing/2014/main" id="{BD6C3D14-CB07-4965-995F-C40EA1A3BDC9}"/>
+              </a:ext>
+            </a:extLst>
+          </p:cNvPr>
+          <p:cNvCxnSpPr>
+            <a:cxnSpLocks/>
+          </p:cNvCxnSpPr>
+          <p:nvPr/>
+        </p:nvCxnSpPr>
+        <p:spPr>
+          <a:xfrm flipV="1">
+            <a:off x="5852394" y="2827634"/>
+            <a:ext cx="245892" cy="271509"/>
+          </a:xfrm>
+          <a:prstGeom prst="line">
+            <a:avLst/>
+          </a:prstGeom>
+          <a:ln w="228600" cap="rnd">
+            <a:solidFill>
+              <a:schemeClr val="tx1"/>
+            </a:solidFill>
+          </a:ln>
+        </p:spPr>
+        <p:style>
+          <a:lnRef idx="1">
+            <a:schemeClr val="accent1"/>
+          </a:lnRef>
+          <a:fillRef idx="0">
+            <a:schemeClr val="accent1"/>
+          </a:fillRef>
+          <a:effectRef idx="0">
+            <a:schemeClr val="accent1"/>
+          </a:effectRef>
+          <a:fontRef idx="minor">
+            <a:schemeClr val="tx1"/>
+          </a:fontRef>
+        </p:style>
+      </p:cxnSp>
+      <p:cxnSp>
+        <p:nvCxnSpPr>
+          <p:cNvPr id="8" name="מחבר ישר 7">
+            <a:extLst>
+              <a:ext uri="{FF2B5EF4-FFF2-40B4-BE49-F238E27FC236}">
+                <a16:creationId xmlns:a16="http://schemas.microsoft.com/office/drawing/2014/main" id="{9D7E5B49-A9BF-4EEF-86B1-10EBC4300F64}"/>
+              </a:ext>
+            </a:extLst>
+          </p:cNvPr>
+          <p:cNvCxnSpPr>
+            <a:cxnSpLocks/>
+          </p:cNvCxnSpPr>
+          <p:nvPr/>
+        </p:nvCxnSpPr>
+        <p:spPr>
+          <a:xfrm>
+            <a:off x="6098286" y="2827634"/>
+            <a:ext cx="407963" cy="0"/>
+          </a:xfrm>
+          <a:prstGeom prst="line">
+            <a:avLst/>
+          </a:prstGeom>
+          <a:ln w="228600" cap="rnd">
+            <a:solidFill>
+              <a:schemeClr val="tx1"/>
+            </a:solidFill>
+          </a:ln>
+        </p:spPr>
+        <p:style>
+          <a:lnRef idx="1">
+            <a:schemeClr val="accent1"/>
+          </a:lnRef>
+          <a:fillRef idx="0">
+            <a:schemeClr val="accent1"/>
+          </a:fillRef>
+          <a:effectRef idx="0">
+            <a:schemeClr val="accent1"/>
+          </a:effectRef>
+          <a:fontRef idx="minor">
+            <a:schemeClr val="tx1"/>
+          </a:fontRef>
+        </p:style>
+      </p:cxnSp>
+      <p:cxnSp>
+        <p:nvCxnSpPr>
+          <p:cNvPr id="9" name="מחבר ישר 8">
+            <a:extLst>
+              <a:ext uri="{FF2B5EF4-FFF2-40B4-BE49-F238E27FC236}">
+                <a16:creationId xmlns:a16="http://schemas.microsoft.com/office/drawing/2014/main" id="{372F51C1-1606-4AF7-A46D-D13C0B617C6D}"/>
+              </a:ext>
+            </a:extLst>
+          </p:cNvPr>
+          <p:cNvCxnSpPr/>
+          <p:nvPr/>
+        </p:nvCxnSpPr>
+        <p:spPr>
+          <a:xfrm>
+            <a:off x="6506249" y="2827634"/>
+            <a:ext cx="239151" cy="211015"/>
+          </a:xfrm>
+          <a:prstGeom prst="line">
+            <a:avLst/>
+          </a:prstGeom>
+          <a:ln w="228600" cap="rnd">
+            <a:solidFill>
+              <a:schemeClr val="tx1"/>
+            </a:solidFill>
+          </a:ln>
+        </p:spPr>
+        <p:style>
+          <a:lnRef idx="1">
+            <a:schemeClr val="accent1"/>
+          </a:lnRef>
+          <a:fillRef idx="0">
+            <a:schemeClr val="accent1"/>
+          </a:fillRef>
+          <a:effectRef idx="0">
+            <a:schemeClr val="accent1"/>
+          </a:effectRef>
+          <a:fontRef idx="minor">
+            <a:schemeClr val="tx1"/>
+          </a:fontRef>
+        </p:style>
+      </p:cxnSp>
+      <p:cxnSp>
+        <p:nvCxnSpPr>
+          <p:cNvPr id="10" name="מחבר ישר 9">
+            <a:extLst>
+              <a:ext uri="{FF2B5EF4-FFF2-40B4-BE49-F238E27FC236}">
+                <a16:creationId xmlns:a16="http://schemas.microsoft.com/office/drawing/2014/main" id="{F416BCE7-B8EA-49D8-A399-9DF09C183A88}"/>
+              </a:ext>
+            </a:extLst>
+          </p:cNvPr>
+          <p:cNvCxnSpPr>
+            <a:cxnSpLocks/>
+          </p:cNvCxnSpPr>
+          <p:nvPr/>
+        </p:nvCxnSpPr>
+        <p:spPr>
+          <a:xfrm>
+            <a:off x="6098286" y="3768647"/>
+            <a:ext cx="407963" cy="0"/>
+          </a:xfrm>
+          <a:prstGeom prst="line">
+            <a:avLst/>
+          </a:prstGeom>
+          <a:ln w="228600" cap="rnd">
+            <a:solidFill>
+              <a:schemeClr val="tx1"/>
+            </a:solidFill>
+          </a:ln>
+        </p:spPr>
+        <p:style>
+          <a:lnRef idx="1">
+            <a:schemeClr val="accent1"/>
+          </a:lnRef>
+          <a:fillRef idx="0">
+            <a:schemeClr val="accent1"/>
+          </a:fillRef>
+          <a:effectRef idx="0">
+            <a:schemeClr val="accent1"/>
+          </a:effectRef>
+          <a:fontRef idx="minor">
+            <a:schemeClr val="tx1"/>
+          </a:fontRef>
+        </p:style>
+      </p:cxnSp>
+      <p:cxnSp>
+        <p:nvCxnSpPr>
+          <p:cNvPr id="11" name="מחבר ישר 10">
+            <a:extLst>
+              <a:ext uri="{FF2B5EF4-FFF2-40B4-BE49-F238E27FC236}">
+                <a16:creationId xmlns:a16="http://schemas.microsoft.com/office/drawing/2014/main" id="{C7EC0808-3C75-4C7F-B110-E7C9C7A25EFD}"/>
+              </a:ext>
+            </a:extLst>
+          </p:cNvPr>
+          <p:cNvCxnSpPr>
+            <a:cxnSpLocks/>
+          </p:cNvCxnSpPr>
+          <p:nvPr/>
+        </p:nvCxnSpPr>
+        <p:spPr>
+          <a:xfrm flipH="1" flipV="1">
+            <a:off x="5985074" y="3673306"/>
+            <a:ext cx="38917" cy="32533"/>
+          </a:xfrm>
+          <a:prstGeom prst="line">
+            <a:avLst/>
+          </a:prstGeom>
+          <a:ln w="228600" cap="sq">
+            <a:solidFill>
+              <a:schemeClr val="tx1"/>
+            </a:solidFill>
+          </a:ln>
+        </p:spPr>
+        <p:style>
+          <a:lnRef idx="1">
+            <a:schemeClr val="accent1"/>
+          </a:lnRef>
+          <a:fillRef idx="0">
+            <a:schemeClr val="accent1"/>
+          </a:fillRef>
+          <a:effectRef idx="0">
+            <a:schemeClr val="accent1"/>
+          </a:effectRef>
+          <a:fontRef idx="minor">
+            <a:schemeClr val="tx1"/>
+          </a:fontRef>
+        </p:style>
+      </p:cxnSp>
+      <p:cxnSp>
+        <p:nvCxnSpPr>
+          <p:cNvPr id="12" name="מחבר ישר 11">
+            <a:extLst>
+              <a:ext uri="{FF2B5EF4-FFF2-40B4-BE49-F238E27FC236}">
+                <a16:creationId xmlns:a16="http://schemas.microsoft.com/office/drawing/2014/main" id="{9A56E87F-1679-4AF4-B77C-B949310684CD}"/>
+              </a:ext>
+            </a:extLst>
+          </p:cNvPr>
+          <p:cNvCxnSpPr>
+            <a:cxnSpLocks/>
+          </p:cNvCxnSpPr>
+          <p:nvPr/>
+        </p:nvCxnSpPr>
+        <p:spPr>
+          <a:xfrm flipV="1">
+            <a:off x="6525006" y="3500948"/>
+            <a:ext cx="220394" cy="246801"/>
+          </a:xfrm>
+          <a:prstGeom prst="line">
+            <a:avLst/>
+          </a:prstGeom>
+          <a:ln w="228600" cap="rnd">
+            <a:solidFill>
+              <a:schemeClr val="tx1"/>
+            </a:solidFill>
+          </a:ln>
+        </p:spPr>
+        <p:style>
+          <a:lnRef idx="1">
+            <a:schemeClr val="accent1"/>
+          </a:lnRef>
+          <a:fillRef idx="0">
+            <a:schemeClr val="accent1"/>
+          </a:fillRef>
+          <a:effectRef idx="0">
+            <a:schemeClr val="accent1"/>
+          </a:effectRef>
+          <a:fontRef idx="minor">
+            <a:schemeClr val="tx1"/>
+          </a:fontRef>
+        </p:style>
+      </p:cxnSp>
+      <p:cxnSp>
+        <p:nvCxnSpPr>
+          <p:cNvPr id="13" name="מחבר ישר 12">
+            <a:extLst>
+              <a:ext uri="{FF2B5EF4-FFF2-40B4-BE49-F238E27FC236}">
+                <a16:creationId xmlns:a16="http://schemas.microsoft.com/office/drawing/2014/main" id="{32D77BD8-504D-482A-897C-4D945ECF84FD}"/>
+              </a:ext>
+            </a:extLst>
+          </p:cNvPr>
+          <p:cNvCxnSpPr>
+            <a:cxnSpLocks/>
+          </p:cNvCxnSpPr>
+          <p:nvPr/>
+        </p:nvCxnSpPr>
+        <p:spPr>
+          <a:xfrm>
+            <a:off x="6745400" y="3038649"/>
+            <a:ext cx="0" cy="462299"/>
+          </a:xfrm>
+          <a:prstGeom prst="line">
+            <a:avLst/>
+          </a:prstGeom>
+          <a:ln w="228600" cap="rnd">
+            <a:solidFill>
+              <a:schemeClr val="tx1"/>
+            </a:solidFill>
+          </a:ln>
+        </p:spPr>
+        <p:style>
+          <a:lnRef idx="1">
+            <a:schemeClr val="accent1"/>
+          </a:lnRef>
+          <a:fillRef idx="0">
+            <a:schemeClr val="accent1"/>
+          </a:fillRef>
+          <a:effectRef idx="0">
+            <a:schemeClr val="accent1"/>
+          </a:effectRef>
+          <a:fontRef idx="minor">
+            <a:schemeClr val="tx1"/>
+          </a:fontRef>
+        </p:style>
+      </p:cxnSp>
+      <p:sp>
+        <p:nvSpPr>
+          <p:cNvPr id="14" name="אליפסה 13">
+            <a:extLst>
+              <a:ext uri="{FF2B5EF4-FFF2-40B4-BE49-F238E27FC236}">
+                <a16:creationId xmlns:a16="http://schemas.microsoft.com/office/drawing/2014/main" id="{60A098D8-78D6-4BAB-A2BE-9FD1ACEC0079}"/>
+              </a:ext>
+            </a:extLst>
+          </p:cNvPr>
+          <p:cNvSpPr/>
+          <p:nvPr/>
+        </p:nvSpPr>
+        <p:spPr>
+          <a:xfrm>
+            <a:off x="6218062" y="3206657"/>
+            <a:ext cx="185410" cy="182968"/>
+          </a:xfrm>
+          <a:prstGeom prst="ellipse">
+            <a:avLst/>
+          </a:prstGeom>
+          <a:solidFill>
+            <a:schemeClr val="tx1"/>
+          </a:solidFill>
+          <a:ln w="76200">
+            <a:solidFill>
+              <a:schemeClr val="tx1"/>
+            </a:solidFill>
+          </a:ln>
+        </p:spPr>
+        <p:style>
+          <a:lnRef idx="2">
+            <a:schemeClr val="accent1">
+              <a:shade val="50000"/>
+            </a:schemeClr>
+          </a:lnRef>
+          <a:fillRef idx="1">
+            <a:schemeClr val="accent1"/>
+          </a:fillRef>
+          <a:effectRef idx="0">
+            <a:schemeClr val="accent1"/>
+          </a:effectRef>
+          <a:fontRef idx="minor">
+            <a:schemeClr val="lt1"/>
+          </a:fontRef>
+        </p:style>
+        <p:txBody>
+          <a:bodyPr rtlCol="0" anchor="ctr"/>
+          <a:lstStyle/>
+          <a:p>
+            <a:pPr algn="ctr"/>
+            <a:endParaRPr lang="en-US" dirty="0"/>
+          </a:p>
+        </p:txBody>
+      </p:sp>
+      <p:sp>
+        <p:nvSpPr>
+          <p:cNvPr id="2" name="קשת 1">
+            <a:extLst>
+              <a:ext uri="{FF2B5EF4-FFF2-40B4-BE49-F238E27FC236}">
+                <a16:creationId xmlns:a16="http://schemas.microsoft.com/office/drawing/2014/main" id="{0E5E426A-D48D-4441-A55D-FB1C8DC70402}"/>
+              </a:ext>
+            </a:extLst>
+          </p:cNvPr>
+          <p:cNvSpPr/>
+          <p:nvPr/>
+        </p:nvSpPr>
+        <p:spPr>
+          <a:xfrm rot="5400000">
+            <a:off x="4330934" y="1905000"/>
+            <a:ext cx="2926080" cy="2926080"/>
+          </a:xfrm>
+          <a:prstGeom prst="arc">
+            <a:avLst>
+              <a:gd name="adj1" fmla="val 16639230"/>
+              <a:gd name="adj2" fmla="val 4911494"/>
+            </a:avLst>
+          </a:prstGeom>
+          <a:ln w="228600">
+            <a:solidFill>
+              <a:schemeClr val="tx1"/>
+            </a:solidFill>
+            <a:headEnd type="stealth"/>
+          </a:ln>
+        </p:spPr>
+        <p:style>
+          <a:lnRef idx="1">
+            <a:schemeClr val="accent1"/>
+          </a:lnRef>
+          <a:fillRef idx="0">
+            <a:schemeClr val="accent1"/>
+          </a:fillRef>
+          <a:effectRef idx="0">
+            <a:schemeClr val="accent1"/>
+          </a:effectRef>
+          <a:fontRef idx="minor">
+            <a:schemeClr val="tx1"/>
+          </a:fontRef>
+        </p:style>
+        <p:txBody>
+          <a:bodyPr rtlCol="0" anchor="ctr"/>
+          <a:lstStyle/>
+          <a:p>
+            <a:pPr algn="ctr"/>
+            <a:endParaRPr lang="en-US" dirty="0"/>
+          </a:p>
+        </p:txBody>
+      </p:sp>
+      <p:sp>
+        <p:nvSpPr>
+          <p:cNvPr id="17" name="קשת 16">
+            <a:extLst>
+              <a:ext uri="{FF2B5EF4-FFF2-40B4-BE49-F238E27FC236}">
+                <a16:creationId xmlns:a16="http://schemas.microsoft.com/office/drawing/2014/main" id="{21D4DB5D-3A10-49A0-8341-CE6DA8368228}"/>
+              </a:ext>
+            </a:extLst>
+          </p:cNvPr>
+          <p:cNvSpPr/>
+          <p:nvPr/>
+        </p:nvSpPr>
+        <p:spPr>
+          <a:xfrm rot="16200000">
+            <a:off x="4330934" y="1910080"/>
+            <a:ext cx="2926080" cy="2926080"/>
+          </a:xfrm>
+          <a:prstGeom prst="arc">
+            <a:avLst>
+              <a:gd name="adj1" fmla="val 16639230"/>
+              <a:gd name="adj2" fmla="val 4911494"/>
+            </a:avLst>
+          </a:prstGeom>
+          <a:ln w="228600">
+            <a:solidFill>
+              <a:schemeClr val="tx1"/>
+            </a:solidFill>
+            <a:headEnd type="stealth"/>
+          </a:ln>
+        </p:spPr>
+        <p:style>
+          <a:lnRef idx="1">
+            <a:schemeClr val="accent1"/>
+          </a:lnRef>
+          <a:fillRef idx="0">
+            <a:schemeClr val="accent1"/>
+          </a:fillRef>
+          <a:effectRef idx="0">
+            <a:schemeClr val="accent1"/>
+          </a:effectRef>
+          <a:fontRef idx="minor">
+            <a:schemeClr val="tx1"/>
+          </a:fontRef>
+        </p:style>
+        <p:txBody>
+          <a:bodyPr rtlCol="0" anchor="ctr"/>
+          <a:lstStyle/>
+          <a:p>
+            <a:pPr algn="ctr"/>
+            <a:endParaRPr lang="en-US" dirty="0"/>
+          </a:p>
+        </p:txBody>
+      </p:sp>
+    </p:spTree>
+    <p:extLst>
+      <p:ext uri="{BB962C8B-B14F-4D97-AF65-F5344CB8AC3E}">
+        <p14:creationId xmlns:p14="http://schemas.microsoft.com/office/powerpoint/2010/main" val="2052778959"/>
+      </p:ext>
+    </p:extLst>
+  </p:cSld>
+  <p:clrMapOvr>
+    <a:masterClrMapping/>
+  </p:clrMapOvr>
+</p:sld>
+</file>
+
+<file path=ppt/slides/slide42.xml><?xml version="1.0" encoding="utf-8"?>
+<p:sld xmlns:a="http://schemas.openxmlformats.org/drawingml/2006/main" xmlns:r="http://schemas.openxmlformats.org/officeDocument/2006/relationships" xmlns:p="http://schemas.openxmlformats.org/presentationml/2006/main">
+  <p:cSld>
+    <p:spTree>
+      <p:nvGrpSpPr>
+        <p:cNvPr id="1" name=""/>
+        <p:cNvGrpSpPr/>
+        <p:nvPr/>
+      </p:nvGrpSpPr>
+      <p:grpSpPr>
+        <a:xfrm>
+          <a:off x="0" y="0"/>
+          <a:ext cx="0" cy="0"/>
+          <a:chOff x="0" y="0"/>
+          <a:chExt cx="0" cy="0"/>
+        </a:xfrm>
+      </p:grpSpPr>
+      <p:cxnSp>
+        <p:nvCxnSpPr>
+          <p:cNvPr id="3" name="מחבר ישר 2">
+            <a:extLst>
+              <a:ext uri="{FF2B5EF4-FFF2-40B4-BE49-F238E27FC236}">
+                <a16:creationId xmlns:a16="http://schemas.microsoft.com/office/drawing/2014/main" id="{37148A9C-E4A0-4E1F-8BFA-2D008762A0E7}"/>
+              </a:ext>
+            </a:extLst>
+          </p:cNvPr>
+          <p:cNvCxnSpPr/>
+          <p:nvPr/>
+        </p:nvCxnSpPr>
+        <p:spPr>
+          <a:xfrm>
+            <a:off x="4769182" y="3342131"/>
+            <a:ext cx="239151" cy="211015"/>
+          </a:xfrm>
+          <a:prstGeom prst="line">
+            <a:avLst/>
+          </a:prstGeom>
+          <a:ln w="228600" cap="rnd">
+            <a:solidFill>
               <a:srgbClr val="226842"/>
             </a:solidFill>
           </a:ln>

--- a/LOGO/esteam_editable.pptx
+++ b/LOGO/esteam_editable.pptx
@@ -38644,8 +38644,8 @@
         </p:nvCxnSpPr>
         <p:spPr>
           <a:xfrm flipH="1">
-            <a:off x="5684520" y="3755001"/>
-            <a:ext cx="4647602" cy="10947"/>
+            <a:off x="5867402" y="3755001"/>
+            <a:ext cx="4464720" cy="6231"/>
           </a:xfrm>
           <a:prstGeom prst="line">
             <a:avLst/>
